--- a/ClassMaterials/Week8/Week8.pptx
+++ b/ClassMaterials/Week8/Week8.pptx
@@ -241,7 +241,7 @@
           <a:p>
             <a:fld id="{4556A2EE-B5F6-484E-BC83-5FA03CF24537}" type="datetimeFigureOut">
               <a:rPr lang="en-US" smtClean="0"/>
-              <a:t>10/27/2025</a:t>
+              <a:t>10/28/2025</a:t>
             </a:fld>
             <a:endParaRPr lang="en-US"/>
           </a:p>
@@ -5680,10 +5680,24 @@
           <a:lstStyle/>
           <a:p>
             <a:r>
-              <a:rPr lang="en-US"/>
+              <a:rPr lang="en-US" dirty="0"/>
               <a:t>Let’s take a look…</a:t>
             </a:r>
-            <a:endParaRPr lang="en-US" dirty="0"/>
+          </a:p>
+          <a:p>
+            <a:endParaRPr lang="en-US" dirty="0"/>
+          </a:p>
+          <a:p>
+            <a:r>
+              <a:rPr lang="en-US" dirty="0">
+                <a:hlinkClick r:id="rId2"/>
+              </a:rPr>
+              <a:t>https://github.com/RHIT-CSSE/csse290-ai/tree/main/ClassMaterials/Week8</a:t>
+            </a:r>
+            <a:r>
+              <a:rPr lang="en-US" dirty="0"/>
+              <a:t> </a:t>
+            </a:r>
           </a:p>
           <a:p>
             <a:pPr marL="0" indent="0">

--- a/ClassMaterials/Week8/Week8.pptx
+++ b/ClassMaterials/Week8/Week8.pptx
@@ -5,33 +5,34 @@
     <p:sldMasterId id="2147483648" r:id="rId1"/>
   </p:sldMasterIdLst>
   <p:notesMasterIdLst>
-    <p:notesMasterId r:id="rId26"/>
+    <p:notesMasterId r:id="rId27"/>
   </p:notesMasterIdLst>
   <p:sldIdLst>
     <p:sldId id="393" r:id="rId2"/>
-    <p:sldId id="483" r:id="rId3"/>
-    <p:sldId id="481" r:id="rId4"/>
-    <p:sldId id="484" r:id="rId5"/>
-    <p:sldId id="485" r:id="rId6"/>
-    <p:sldId id="482" r:id="rId7"/>
-    <p:sldId id="487" r:id="rId8"/>
-    <p:sldId id="488" r:id="rId9"/>
-    <p:sldId id="486" r:id="rId10"/>
-    <p:sldId id="491" r:id="rId11"/>
-    <p:sldId id="489" r:id="rId12"/>
-    <p:sldId id="490" r:id="rId13"/>
-    <p:sldId id="492" r:id="rId14"/>
-    <p:sldId id="493" r:id="rId15"/>
-    <p:sldId id="494" r:id="rId16"/>
-    <p:sldId id="496" r:id="rId17"/>
-    <p:sldId id="495" r:id="rId18"/>
-    <p:sldId id="498" r:id="rId19"/>
-    <p:sldId id="499" r:id="rId20"/>
-    <p:sldId id="475" r:id="rId21"/>
-    <p:sldId id="476" r:id="rId22"/>
-    <p:sldId id="500" r:id="rId23"/>
-    <p:sldId id="497" r:id="rId24"/>
-    <p:sldId id="501" r:id="rId25"/>
+    <p:sldId id="502" r:id="rId3"/>
+    <p:sldId id="483" r:id="rId4"/>
+    <p:sldId id="481" r:id="rId5"/>
+    <p:sldId id="484" r:id="rId6"/>
+    <p:sldId id="485" r:id="rId7"/>
+    <p:sldId id="482" r:id="rId8"/>
+    <p:sldId id="487" r:id="rId9"/>
+    <p:sldId id="488" r:id="rId10"/>
+    <p:sldId id="486" r:id="rId11"/>
+    <p:sldId id="491" r:id="rId12"/>
+    <p:sldId id="489" r:id="rId13"/>
+    <p:sldId id="490" r:id="rId14"/>
+    <p:sldId id="492" r:id="rId15"/>
+    <p:sldId id="493" r:id="rId16"/>
+    <p:sldId id="494" r:id="rId17"/>
+    <p:sldId id="496" r:id="rId18"/>
+    <p:sldId id="495" r:id="rId19"/>
+    <p:sldId id="498" r:id="rId20"/>
+    <p:sldId id="499" r:id="rId21"/>
+    <p:sldId id="475" r:id="rId22"/>
+    <p:sldId id="476" r:id="rId23"/>
+    <p:sldId id="500" r:id="rId24"/>
+    <p:sldId id="497" r:id="rId25"/>
+    <p:sldId id="501" r:id="rId26"/>
   </p:sldIdLst>
   <p:sldSz cx="12192000" cy="6858000"/>
   <p:notesSz cx="6858000" cy="9144000"/>
@@ -741,7 +742,7 @@
           <a:p>
             <a:fld id="{B0B2B47B-5F65-4943-85BA-3F697B15753C}" type="slidenum">
               <a:rPr lang="en-US" smtClean="0"/>
-              <a:t>4</a:t>
+              <a:t>5</a:t>
             </a:fld>
             <a:endParaRPr lang="en-US"/>
           </a:p>
@@ -828,7 +829,7 @@
           <a:p>
             <a:fld id="{B0B2B47B-5F65-4943-85BA-3F697B15753C}" type="slidenum">
               <a:rPr lang="en-US" smtClean="0"/>
-              <a:t>14</a:t>
+              <a:t>15</a:t>
             </a:fld>
             <a:endParaRPr lang="en-US"/>
           </a:p>
@@ -915,7 +916,7 @@
           <a:p>
             <a:fld id="{B0B2B47B-5F65-4943-85BA-3F697B15753C}" type="slidenum">
               <a:rPr lang="en-US" smtClean="0"/>
-              <a:t>16</a:t>
+              <a:t>17</a:t>
             </a:fld>
             <a:endParaRPr lang="en-US"/>
           </a:p>
@@ -999,7 +1000,7 @@
           <a:p>
             <a:fld id="{B0B2B47B-5F65-4943-85BA-3F697B15753C}" type="slidenum">
               <a:rPr lang="en-US" smtClean="0"/>
-              <a:t>21</a:t>
+              <a:t>22</a:t>
             </a:fld>
             <a:endParaRPr lang="en-US"/>
           </a:p>
@@ -3346,6 +3347,10 @@
               <a:rPr lang="en-US" dirty="0"/>
               <a:t>Not just coding tools…</a:t>
             </a:r>
+            <a:r>
+              <a:rPr lang="en-US"/>
+              <a:t>	Attendance Key: o91k72</a:t>
+            </a:r>
           </a:p>
         </p:txBody>
       </p:sp>
@@ -3384,7 +3389,7 @@
           <p:cNvPr id="2" name="Title 1">
             <a:extLst>
               <a:ext uri="{FF2B5EF4-FFF2-40B4-BE49-F238E27FC236}">
-                <a16:creationId xmlns:a16="http://schemas.microsoft.com/office/drawing/2014/main" id="{4E41502A-7905-9730-EEB8-67F9C6853E50}"/>
+                <a16:creationId xmlns:a16="http://schemas.microsoft.com/office/drawing/2014/main" id="{BA4D97AA-C32C-466E-F402-F54A56CE17D9}"/>
               </a:ext>
             </a:extLst>
           </p:cNvPr>
@@ -3402,7 +3407,7 @@
           <a:p>
             <a:r>
               <a:rPr lang="en-US" dirty="0"/>
-              <a:t>Different responses?</a:t>
+              <a:t>Now let’s take another example…</a:t>
             </a:r>
           </a:p>
         </p:txBody>
@@ -3412,7 +3417,7 @@
           <p:cNvPr id="3" name="Content Placeholder 2">
             <a:extLst>
               <a:ext uri="{FF2B5EF4-FFF2-40B4-BE49-F238E27FC236}">
-                <a16:creationId xmlns:a16="http://schemas.microsoft.com/office/drawing/2014/main" id="{8630F947-67B1-B9BE-C652-91CC148504AC}"/>
+                <a16:creationId xmlns:a16="http://schemas.microsoft.com/office/drawing/2014/main" id="{2538D363-879D-F27A-3015-5DCADE591C6C}"/>
               </a:ext>
             </a:extLst>
           </p:cNvPr>
@@ -3430,34 +3435,34 @@
           <a:p>
             <a:r>
               <a:rPr lang="en-US" dirty="0"/>
-              <a:t>“…yesterday…”</a:t>
-            </a:r>
-          </a:p>
-          <a:p>
-            <a:endParaRPr lang="en-US" dirty="0"/>
-          </a:p>
-          <a:p>
-            <a:r>
-              <a:rPr lang="en-US" dirty="0"/>
-              <a:t>“…a week from Sunday…”</a:t>
-            </a:r>
-          </a:p>
-          <a:p>
-            <a:endParaRPr lang="en-US" dirty="0"/>
-          </a:p>
-          <a:p>
-            <a:r>
-              <a:rPr lang="en-US" dirty="0"/>
-              <a:t>“… it’s been canceled…”</a:t>
-            </a:r>
-          </a:p>
-          <a:p>
-            <a:endParaRPr lang="en-US" dirty="0"/>
-          </a:p>
-          <a:p>
-            <a:r>
-              <a:rPr lang="en-US" dirty="0"/>
-              <a:t>“…backordered until next month…”</a:t>
+              <a:t>What was the result of some email communication?</a:t>
+            </a:r>
+          </a:p>
+          <a:p>
+            <a:endParaRPr lang="en-US" dirty="0"/>
+          </a:p>
+          <a:p>
+            <a:r>
+              <a:rPr lang="en-US" dirty="0"/>
+              <a:t>Situation: Customer periodically reaches out for a specific piece of information (an upcoming date) for a product order. </a:t>
+            </a:r>
+          </a:p>
+          <a:p>
+            <a:endParaRPr lang="en-US" dirty="0"/>
+          </a:p>
+          <a:p>
+            <a:r>
+              <a:rPr lang="en-US" dirty="0"/>
+              <a:t>Customer request and communication is logged in an internal ticket</a:t>
+            </a:r>
+          </a:p>
+          <a:p>
+            <a:endParaRPr lang="en-US" dirty="0"/>
+          </a:p>
+          <a:p>
+            <a:r>
+              <a:rPr lang="en-US" dirty="0"/>
+              <a:t>Communication is done via email, all natural language</a:t>
             </a:r>
           </a:p>
         </p:txBody>
@@ -3465,7 +3470,7 @@
     </p:spTree>
     <p:extLst>
       <p:ext uri="{BB962C8B-B14F-4D97-AF65-F5344CB8AC3E}">
-        <p14:creationId xmlns:p14="http://schemas.microsoft.com/office/powerpoint/2010/main" val="4219002580"/>
+        <p14:creationId xmlns:p14="http://schemas.microsoft.com/office/powerpoint/2010/main" val="1885706844"/>
       </p:ext>
     </p:extLst>
   </p:cSld>
@@ -3497,7 +3502,7 @@
           <p:cNvPr id="2" name="Title 1">
             <a:extLst>
               <a:ext uri="{FF2B5EF4-FFF2-40B4-BE49-F238E27FC236}">
-                <a16:creationId xmlns:a16="http://schemas.microsoft.com/office/drawing/2014/main" id="{22E4167B-D7B6-097B-4F54-E8236DD7ABA3}"/>
+                <a16:creationId xmlns:a16="http://schemas.microsoft.com/office/drawing/2014/main" id="{4E41502A-7905-9730-EEB8-67F9C6853E50}"/>
               </a:ext>
             </a:extLst>
           </p:cNvPr>
@@ -3515,7 +3520,7 @@
           <a:p>
             <a:r>
               <a:rPr lang="en-US" dirty="0"/>
-              <a:t>2021 Solution?</a:t>
+              <a:t>Different responses?</a:t>
             </a:r>
           </a:p>
         </p:txBody>
@@ -3525,7 +3530,7 @@
           <p:cNvPr id="3" name="Content Placeholder 2">
             <a:extLst>
               <a:ext uri="{FF2B5EF4-FFF2-40B4-BE49-F238E27FC236}">
-                <a16:creationId xmlns:a16="http://schemas.microsoft.com/office/drawing/2014/main" id="{8DD3EFB2-966C-CCF2-FBF2-4F2D402607C7}"/>
+                <a16:creationId xmlns:a16="http://schemas.microsoft.com/office/drawing/2014/main" id="{8630F947-67B1-B9BE-C652-91CC148504AC}"/>
               </a:ext>
             </a:extLst>
           </p:cNvPr>
@@ -3543,32 +3548,34 @@
           <a:p>
             <a:r>
               <a:rPr lang="en-US" dirty="0"/>
-              <a:t>Thoughts?</a:t>
-            </a:r>
-          </a:p>
-          <a:p>
-            <a:endParaRPr lang="en-US" dirty="0"/>
-          </a:p>
-          <a:p>
-            <a:r>
-              <a:rPr lang="en-US" dirty="0"/>
-              <a:t>Yeah… you either didn’t solve it, or you threw actual people at it.</a:t>
-            </a:r>
-          </a:p>
-          <a:p>
-            <a:endParaRPr lang="en-US" dirty="0"/>
-          </a:p>
-          <a:p>
-            <a:r>
-              <a:rPr lang="en-US" dirty="0"/>
-              <a:t>Regex requires a pattern</a:t>
-            </a:r>
-          </a:p>
-          <a:p>
-            <a:pPr lvl="1"/>
-            <a:r>
-              <a:rPr lang="en-US" dirty="0"/>
-              <a:t>Natural Language doesn’t have regex-recognizable patterns</a:t>
+              <a:t>“…yesterday…”</a:t>
+            </a:r>
+          </a:p>
+          <a:p>
+            <a:endParaRPr lang="en-US" dirty="0"/>
+          </a:p>
+          <a:p>
+            <a:r>
+              <a:rPr lang="en-US" dirty="0"/>
+              <a:t>“…a week from Sunday…”</a:t>
+            </a:r>
+          </a:p>
+          <a:p>
+            <a:endParaRPr lang="en-US" dirty="0"/>
+          </a:p>
+          <a:p>
+            <a:r>
+              <a:rPr lang="en-US" dirty="0"/>
+              <a:t>“… it’s been canceled…”</a:t>
+            </a:r>
+          </a:p>
+          <a:p>
+            <a:endParaRPr lang="en-US" dirty="0"/>
+          </a:p>
+          <a:p>
+            <a:r>
+              <a:rPr lang="en-US" dirty="0"/>
+              <a:t>“…backordered until next month…”</a:t>
             </a:r>
           </a:p>
         </p:txBody>
@@ -3576,7 +3583,7 @@
     </p:spTree>
     <p:extLst>
       <p:ext uri="{BB962C8B-B14F-4D97-AF65-F5344CB8AC3E}">
-        <p14:creationId xmlns:p14="http://schemas.microsoft.com/office/powerpoint/2010/main" val="3239547795"/>
+        <p14:creationId xmlns:p14="http://schemas.microsoft.com/office/powerpoint/2010/main" val="4219002580"/>
       </p:ext>
     </p:extLst>
   </p:cSld>
@@ -3608,7 +3615,7 @@
           <p:cNvPr id="2" name="Title 1">
             <a:extLst>
               <a:ext uri="{FF2B5EF4-FFF2-40B4-BE49-F238E27FC236}">
-                <a16:creationId xmlns:a16="http://schemas.microsoft.com/office/drawing/2014/main" id="{BB43DEB7-C5E0-EB4F-C137-6AA276C6E6DA}"/>
+                <a16:creationId xmlns:a16="http://schemas.microsoft.com/office/drawing/2014/main" id="{22E4167B-D7B6-097B-4F54-E8236DD7ABA3}"/>
               </a:ext>
             </a:extLst>
           </p:cNvPr>
@@ -3626,7 +3633,7 @@
           <a:p>
             <a:r>
               <a:rPr lang="en-US" dirty="0"/>
-              <a:t>Summer 2025 Solution</a:t>
+              <a:t>2021 Solution?</a:t>
             </a:r>
           </a:p>
         </p:txBody>
@@ -3636,7 +3643,7 @@
           <p:cNvPr id="3" name="Content Placeholder 2">
             <a:extLst>
               <a:ext uri="{FF2B5EF4-FFF2-40B4-BE49-F238E27FC236}">
-                <a16:creationId xmlns:a16="http://schemas.microsoft.com/office/drawing/2014/main" id="{07780F36-5FC5-D499-2C54-B9579ED4E38D}"/>
+                <a16:creationId xmlns:a16="http://schemas.microsoft.com/office/drawing/2014/main" id="{8DD3EFB2-966C-CCF2-FBF2-4F2D402607C7}"/>
               </a:ext>
             </a:extLst>
           </p:cNvPr>
@@ -3649,66 +3656,37 @@
         </p:nvSpPr>
         <p:spPr/>
         <p:txBody>
-          <a:bodyPr>
-            <a:normAutofit fontScale="92500" lnSpcReduction="10000"/>
-          </a:bodyPr>
-          <a:lstStyle/>
-          <a:p>
-            <a:r>
-              <a:rPr lang="en-US" dirty="0"/>
-              <a:t>Large Language Models!</a:t>
-            </a:r>
-          </a:p>
-          <a:p>
-            <a:endParaRPr lang="en-US" dirty="0"/>
-          </a:p>
-          <a:p>
-            <a:r>
-              <a:rPr lang="en-US" dirty="0"/>
-              <a:t>Create a tool to gather email data</a:t>
-            </a:r>
-          </a:p>
-          <a:p>
-            <a:pPr lvl="1"/>
-            <a:r>
-              <a:rPr lang="en-US" dirty="0"/>
-              <a:t>NOT an LLM</a:t>
-            </a:r>
-          </a:p>
-          <a:p>
-            <a:pPr lvl="1"/>
-            <a:endParaRPr lang="en-US" dirty="0"/>
-          </a:p>
-          <a:p>
-            <a:r>
-              <a:rPr lang="en-US" dirty="0"/>
-              <a:t>Create a prompt to analyze an email for the date</a:t>
-            </a:r>
-          </a:p>
-          <a:p>
-            <a:pPr lvl="1"/>
-            <a:r>
-              <a:rPr lang="en-US" dirty="0"/>
-              <a:t>Should give JSON result</a:t>
-            </a:r>
-          </a:p>
-          <a:p>
-            <a:pPr lvl="1"/>
-            <a:endParaRPr lang="en-US" dirty="0"/>
-          </a:p>
-          <a:p>
-            <a:r>
-              <a:rPr lang="en-US" dirty="0"/>
-              <a:t>Use tool to create a batch request</a:t>
-            </a:r>
-          </a:p>
-          <a:p>
-            <a:endParaRPr lang="en-US" dirty="0"/>
-          </a:p>
-          <a:p>
-            <a:r>
-              <a:rPr lang="en-US" dirty="0"/>
-              <a:t>Execute, parse, and save results from LLM</a:t>
+          <a:bodyPr/>
+          <a:lstStyle/>
+          <a:p>
+            <a:r>
+              <a:rPr lang="en-US" dirty="0"/>
+              <a:t>Thoughts?</a:t>
+            </a:r>
+          </a:p>
+          <a:p>
+            <a:endParaRPr lang="en-US" dirty="0"/>
+          </a:p>
+          <a:p>
+            <a:r>
+              <a:rPr lang="en-US" dirty="0"/>
+              <a:t>Yeah… you either didn’t solve it, or you threw actual people at it.</a:t>
+            </a:r>
+          </a:p>
+          <a:p>
+            <a:endParaRPr lang="en-US" dirty="0"/>
+          </a:p>
+          <a:p>
+            <a:r>
+              <a:rPr lang="en-US" dirty="0"/>
+              <a:t>Regex requires a pattern</a:t>
+            </a:r>
+          </a:p>
+          <a:p>
+            <a:pPr lvl="1"/>
+            <a:r>
+              <a:rPr lang="en-US" dirty="0"/>
+              <a:t>Natural Language doesn’t have regex-recognizable patterns</a:t>
             </a:r>
           </a:p>
         </p:txBody>
@@ -3716,7 +3694,7 @@
     </p:spTree>
     <p:extLst>
       <p:ext uri="{BB962C8B-B14F-4D97-AF65-F5344CB8AC3E}">
-        <p14:creationId xmlns:p14="http://schemas.microsoft.com/office/powerpoint/2010/main" val="4273382589"/>
+        <p14:creationId xmlns:p14="http://schemas.microsoft.com/office/powerpoint/2010/main" val="3239547795"/>
       </p:ext>
     </p:extLst>
   </p:cSld>
@@ -3748,7 +3726,7 @@
           <p:cNvPr id="2" name="Title 1">
             <a:extLst>
               <a:ext uri="{FF2B5EF4-FFF2-40B4-BE49-F238E27FC236}">
-                <a16:creationId xmlns:a16="http://schemas.microsoft.com/office/drawing/2014/main" id="{1EAC9B64-272E-D8F6-CFB7-7670E66046E5}"/>
+                <a16:creationId xmlns:a16="http://schemas.microsoft.com/office/drawing/2014/main" id="{BB43DEB7-C5E0-EB4F-C137-6AA276C6E6DA}"/>
               </a:ext>
             </a:extLst>
           </p:cNvPr>
@@ -3766,7 +3744,7 @@
           <a:p>
             <a:r>
               <a:rPr lang="en-US" dirty="0"/>
-              <a:t>Did this work?</a:t>
+              <a:t>Summer 2025 Solution</a:t>
             </a:r>
           </a:p>
         </p:txBody>
@@ -3776,7 +3754,7 @@
           <p:cNvPr id="3" name="Content Placeholder 2">
             <a:extLst>
               <a:ext uri="{FF2B5EF4-FFF2-40B4-BE49-F238E27FC236}">
-                <a16:creationId xmlns:a16="http://schemas.microsoft.com/office/drawing/2014/main" id="{00A06D48-F98B-61B7-B979-4F370157C74F}"/>
+                <a16:creationId xmlns:a16="http://schemas.microsoft.com/office/drawing/2014/main" id="{07780F36-5FC5-D499-2C54-B9579ED4E38D}"/>
               </a:ext>
             </a:extLst>
           </p:cNvPr>
@@ -3789,76 +3767,66 @@
         </p:nvSpPr>
         <p:spPr/>
         <p:txBody>
-          <a:bodyPr/>
-          <a:lstStyle/>
-          <a:p>
-            <a:r>
-              <a:rPr lang="en-US" dirty="0"/>
-              <a:t>Yes! </a:t>
-            </a:r>
-          </a:p>
-          <a:p>
-            <a:pPr lvl="1"/>
-            <a:r>
-              <a:rPr lang="en-US" dirty="0"/>
-              <a:t>…Mostly…</a:t>
-            </a:r>
-          </a:p>
-          <a:p>
-            <a:pPr lvl="1"/>
-            <a:endParaRPr lang="en-US" dirty="0"/>
-          </a:p>
-          <a:p>
-            <a:pPr marL="0" indent="0">
-              <a:buNone/>
-            </a:pPr>
-            <a:r>
-              <a:rPr lang="en-US" dirty="0"/>
-              <a:t>+ Sending each email with the prompt separately in the batch</a:t>
-            </a:r>
-          </a:p>
-          <a:p>
-            <a:pPr marL="0" indent="0">
-              <a:buNone/>
-            </a:pPr>
-            <a:r>
-              <a:rPr lang="en-US" dirty="0"/>
-              <a:t>+ Analyzing natural language for the response</a:t>
-            </a:r>
-          </a:p>
-          <a:p>
-            <a:pPr marL="0" indent="0">
-              <a:buNone/>
-            </a:pPr>
-            <a:r>
-              <a:rPr lang="en-US" dirty="0"/>
-              <a:t>+ Execute, parse, and save</a:t>
-            </a:r>
-          </a:p>
-          <a:p>
-            <a:pPr marL="0" indent="0">
-              <a:buNone/>
-            </a:pPr>
-            <a:endParaRPr lang="en-US" dirty="0"/>
-          </a:p>
-          <a:p>
-            <a:pPr>
-              <a:buFontTx/>
-              <a:buChar char="-"/>
-            </a:pPr>
-            <a:r>
-              <a:rPr lang="en-US" dirty="0"/>
-              <a:t>Get results in JSON format</a:t>
-            </a:r>
-          </a:p>
-          <a:p>
-            <a:pPr lvl="1">
-              <a:buFontTx/>
-              <a:buChar char="-"/>
-            </a:pPr>
-            <a:r>
-              <a:rPr lang="en-US" dirty="0"/>
-              <a:t>Failed every ~1 /600 times</a:t>
+          <a:bodyPr>
+            <a:normAutofit fontScale="92500" lnSpcReduction="10000"/>
+          </a:bodyPr>
+          <a:lstStyle/>
+          <a:p>
+            <a:r>
+              <a:rPr lang="en-US" dirty="0"/>
+              <a:t>Large Language Models!</a:t>
+            </a:r>
+          </a:p>
+          <a:p>
+            <a:endParaRPr lang="en-US" dirty="0"/>
+          </a:p>
+          <a:p>
+            <a:r>
+              <a:rPr lang="en-US" dirty="0"/>
+              <a:t>Create a tool to gather email data</a:t>
+            </a:r>
+          </a:p>
+          <a:p>
+            <a:pPr lvl="1"/>
+            <a:r>
+              <a:rPr lang="en-US" dirty="0"/>
+              <a:t>NOT an LLM</a:t>
+            </a:r>
+          </a:p>
+          <a:p>
+            <a:pPr lvl="1"/>
+            <a:endParaRPr lang="en-US" dirty="0"/>
+          </a:p>
+          <a:p>
+            <a:r>
+              <a:rPr lang="en-US" dirty="0"/>
+              <a:t>Create a prompt to analyze an email for the date</a:t>
+            </a:r>
+          </a:p>
+          <a:p>
+            <a:pPr lvl="1"/>
+            <a:r>
+              <a:rPr lang="en-US" dirty="0"/>
+              <a:t>Should give JSON result</a:t>
+            </a:r>
+          </a:p>
+          <a:p>
+            <a:pPr lvl="1"/>
+            <a:endParaRPr lang="en-US" dirty="0"/>
+          </a:p>
+          <a:p>
+            <a:r>
+              <a:rPr lang="en-US" dirty="0"/>
+              <a:t>Use tool to create a batch request</a:t>
+            </a:r>
+          </a:p>
+          <a:p>
+            <a:endParaRPr lang="en-US" dirty="0"/>
+          </a:p>
+          <a:p>
+            <a:r>
+              <a:rPr lang="en-US" dirty="0"/>
+              <a:t>Execute, parse, and save results from LLM</a:t>
             </a:r>
           </a:p>
         </p:txBody>
@@ -3866,7 +3834,7 @@
     </p:spTree>
     <p:extLst>
       <p:ext uri="{BB962C8B-B14F-4D97-AF65-F5344CB8AC3E}">
-        <p14:creationId xmlns:p14="http://schemas.microsoft.com/office/powerpoint/2010/main" val="2379721452"/>
+        <p14:creationId xmlns:p14="http://schemas.microsoft.com/office/powerpoint/2010/main" val="4273382589"/>
       </p:ext>
     </p:extLst>
   </p:cSld>
@@ -3898,7 +3866,7 @@
           <p:cNvPr id="2" name="Title 1">
             <a:extLst>
               <a:ext uri="{FF2B5EF4-FFF2-40B4-BE49-F238E27FC236}">
-                <a16:creationId xmlns:a16="http://schemas.microsoft.com/office/drawing/2014/main" id="{CFD925D8-998E-7FA8-8299-E29170926036}"/>
+                <a16:creationId xmlns:a16="http://schemas.microsoft.com/office/drawing/2014/main" id="{1EAC9B64-272E-D8F6-CFB7-7670E66046E5}"/>
               </a:ext>
             </a:extLst>
           </p:cNvPr>
@@ -3916,7 +3884,7 @@
           <a:p>
             <a:r>
               <a:rPr lang="en-US" dirty="0"/>
-              <a:t>Why is this a Business Tool?</a:t>
+              <a:t>Did this work?</a:t>
             </a:r>
           </a:p>
         </p:txBody>
@@ -3926,7 +3894,7 @@
           <p:cNvPr id="3" name="Content Placeholder 2">
             <a:extLst>
               <a:ext uri="{FF2B5EF4-FFF2-40B4-BE49-F238E27FC236}">
-                <a16:creationId xmlns:a16="http://schemas.microsoft.com/office/drawing/2014/main" id="{CB214AC0-69CA-2926-287E-15F5163CBCB6}"/>
+                <a16:creationId xmlns:a16="http://schemas.microsoft.com/office/drawing/2014/main" id="{00A06D48-F98B-61B7-B979-4F370157C74F}"/>
               </a:ext>
             </a:extLst>
           </p:cNvPr>
@@ -3944,67 +3912,79 @@
           <a:p>
             <a:r>
               <a:rPr lang="en-US" dirty="0"/>
-              <a:t>Probably would have taken a single ~50 hours to process 600 tickets</a:t>
-            </a:r>
-          </a:p>
-          <a:p>
-            <a:pPr lvl="1"/>
-            <a:r>
-              <a:rPr lang="en-US" dirty="0"/>
-              <a:t>Assumption: 5 minutes per ticket, no distractions/boredom/etc.</a:t>
-            </a:r>
-          </a:p>
-          <a:p>
-            <a:pPr lvl="1"/>
-            <a:endParaRPr lang="en-US" dirty="0"/>
-          </a:p>
-          <a:p>
-            <a:r>
-              <a:rPr lang="en-US" dirty="0"/>
-              <a:t>Took the AI about 20 seconds</a:t>
-            </a:r>
-          </a:p>
-          <a:p>
-            <a:pPr lvl="1"/>
-            <a:r>
-              <a:rPr lang="en-US" dirty="0"/>
-              <a:t>Estimated cost for LLM was a few dollars with batch requests</a:t>
-            </a:r>
-          </a:p>
-          <a:p>
-            <a:pPr lvl="1"/>
-            <a:endParaRPr lang="en-US" dirty="0"/>
-          </a:p>
-          <a:p>
-            <a:r>
-              <a:rPr lang="en-US" dirty="0"/>
-              <a:t>Real Benefit?</a:t>
-            </a:r>
-          </a:p>
-          <a:p>
-            <a:pPr lvl="1"/>
-            <a:r>
-              <a:rPr lang="en-US" b="1" dirty="0"/>
-              <a:t>Data that was previously inaccessible</a:t>
-            </a:r>
-          </a:p>
-          <a:p>
-            <a:pPr lvl="1"/>
-            <a:endParaRPr lang="en-US" dirty="0"/>
-          </a:p>
-          <a:p>
-            <a:pPr lvl="1"/>
-            <a:endParaRPr lang="en-US" dirty="0"/>
-          </a:p>
-          <a:p>
-            <a:endParaRPr lang="en-US" dirty="0"/>
+              <a:t>Yes! </a:t>
+            </a:r>
+          </a:p>
+          <a:p>
+            <a:pPr lvl="1"/>
+            <a:r>
+              <a:rPr lang="en-US" dirty="0"/>
+              <a:t>…Mostly…</a:t>
+            </a:r>
+          </a:p>
+          <a:p>
+            <a:pPr lvl="1"/>
+            <a:endParaRPr lang="en-US" dirty="0"/>
+          </a:p>
+          <a:p>
+            <a:pPr marL="0" indent="0">
+              <a:buNone/>
+            </a:pPr>
+            <a:r>
+              <a:rPr lang="en-US" dirty="0"/>
+              <a:t>+ Sending each email with the prompt separately in the batch</a:t>
+            </a:r>
+          </a:p>
+          <a:p>
+            <a:pPr marL="0" indent="0">
+              <a:buNone/>
+            </a:pPr>
+            <a:r>
+              <a:rPr lang="en-US" dirty="0"/>
+              <a:t>+ Analyzing natural language for the response</a:t>
+            </a:r>
+          </a:p>
+          <a:p>
+            <a:pPr marL="0" indent="0">
+              <a:buNone/>
+            </a:pPr>
+            <a:r>
+              <a:rPr lang="en-US" dirty="0"/>
+              <a:t>+ Execute, parse, and save</a:t>
+            </a:r>
+          </a:p>
+          <a:p>
+            <a:pPr marL="0" indent="0">
+              <a:buNone/>
+            </a:pPr>
+            <a:endParaRPr lang="en-US" dirty="0"/>
+          </a:p>
+          <a:p>
+            <a:pPr>
+              <a:buFontTx/>
+              <a:buChar char="-"/>
+            </a:pPr>
+            <a:r>
+              <a:rPr lang="en-US" dirty="0"/>
+              <a:t>Get results in JSON format</a:t>
+            </a:r>
+          </a:p>
+          <a:p>
+            <a:pPr lvl="1">
+              <a:buFontTx/>
+              <a:buChar char="-"/>
+            </a:pPr>
+            <a:r>
+              <a:rPr lang="en-US" dirty="0"/>
+              <a:t>Failed every ~1 /600 times</a:t>
+            </a:r>
           </a:p>
         </p:txBody>
       </p:sp>
     </p:spTree>
     <p:extLst>
       <p:ext uri="{BB962C8B-B14F-4D97-AF65-F5344CB8AC3E}">
-        <p14:creationId xmlns:p14="http://schemas.microsoft.com/office/powerpoint/2010/main" val="2536578681"/>
+        <p14:creationId xmlns:p14="http://schemas.microsoft.com/office/powerpoint/2010/main" val="2379721452"/>
       </p:ext>
     </p:extLst>
   </p:cSld>
@@ -4036,6 +4016,144 @@
           <p:cNvPr id="2" name="Title 1">
             <a:extLst>
               <a:ext uri="{FF2B5EF4-FFF2-40B4-BE49-F238E27FC236}">
+                <a16:creationId xmlns:a16="http://schemas.microsoft.com/office/drawing/2014/main" id="{CFD925D8-998E-7FA8-8299-E29170926036}"/>
+              </a:ext>
+            </a:extLst>
+          </p:cNvPr>
+          <p:cNvSpPr>
+            <a:spLocks noGrp="1"/>
+          </p:cNvSpPr>
+          <p:nvPr>
+            <p:ph type="title"/>
+          </p:nvPr>
+        </p:nvSpPr>
+        <p:spPr/>
+        <p:txBody>
+          <a:bodyPr/>
+          <a:lstStyle/>
+          <a:p>
+            <a:r>
+              <a:rPr lang="en-US" dirty="0"/>
+              <a:t>Why is this a Business Tool?</a:t>
+            </a:r>
+          </a:p>
+        </p:txBody>
+      </p:sp>
+      <p:sp>
+        <p:nvSpPr>
+          <p:cNvPr id="3" name="Content Placeholder 2">
+            <a:extLst>
+              <a:ext uri="{FF2B5EF4-FFF2-40B4-BE49-F238E27FC236}">
+                <a16:creationId xmlns:a16="http://schemas.microsoft.com/office/drawing/2014/main" id="{CB214AC0-69CA-2926-287E-15F5163CBCB6}"/>
+              </a:ext>
+            </a:extLst>
+          </p:cNvPr>
+          <p:cNvSpPr>
+            <a:spLocks noGrp="1"/>
+          </p:cNvSpPr>
+          <p:nvPr>
+            <p:ph idx="1"/>
+          </p:nvPr>
+        </p:nvSpPr>
+        <p:spPr/>
+        <p:txBody>
+          <a:bodyPr/>
+          <a:lstStyle/>
+          <a:p>
+            <a:r>
+              <a:rPr lang="en-US" dirty="0"/>
+              <a:t>Probably would have taken a single ~50 hours to process 600 tickets</a:t>
+            </a:r>
+          </a:p>
+          <a:p>
+            <a:pPr lvl="1"/>
+            <a:r>
+              <a:rPr lang="en-US" dirty="0"/>
+              <a:t>Assumption: 5 minutes per ticket, no distractions/boredom/etc.</a:t>
+            </a:r>
+          </a:p>
+          <a:p>
+            <a:pPr lvl="1"/>
+            <a:endParaRPr lang="en-US" dirty="0"/>
+          </a:p>
+          <a:p>
+            <a:r>
+              <a:rPr lang="en-US" dirty="0"/>
+              <a:t>Took the AI about 20 seconds</a:t>
+            </a:r>
+          </a:p>
+          <a:p>
+            <a:pPr lvl="1"/>
+            <a:r>
+              <a:rPr lang="en-US" dirty="0"/>
+              <a:t>Estimated cost for LLM was a few dollars with batch requests</a:t>
+            </a:r>
+          </a:p>
+          <a:p>
+            <a:pPr lvl="1"/>
+            <a:endParaRPr lang="en-US" dirty="0"/>
+          </a:p>
+          <a:p>
+            <a:r>
+              <a:rPr lang="en-US" dirty="0"/>
+              <a:t>Real Benefit?</a:t>
+            </a:r>
+          </a:p>
+          <a:p>
+            <a:pPr lvl="1"/>
+            <a:r>
+              <a:rPr lang="en-US" b="1" dirty="0"/>
+              <a:t>Data that was previously inaccessible</a:t>
+            </a:r>
+          </a:p>
+          <a:p>
+            <a:pPr lvl="1"/>
+            <a:endParaRPr lang="en-US" dirty="0"/>
+          </a:p>
+          <a:p>
+            <a:pPr lvl="1"/>
+            <a:endParaRPr lang="en-US" dirty="0"/>
+          </a:p>
+          <a:p>
+            <a:endParaRPr lang="en-US" dirty="0"/>
+          </a:p>
+        </p:txBody>
+      </p:sp>
+    </p:spTree>
+    <p:extLst>
+      <p:ext uri="{BB962C8B-B14F-4D97-AF65-F5344CB8AC3E}">
+        <p14:creationId xmlns:p14="http://schemas.microsoft.com/office/powerpoint/2010/main" val="2536578681"/>
+      </p:ext>
+    </p:extLst>
+  </p:cSld>
+  <p:clrMapOvr>
+    <a:masterClrMapping/>
+  </p:clrMapOvr>
+</p:sld>
+</file>
+
+<file path=ppt/slides/slide16.xml><?xml version="1.0" encoding="utf-8"?>
+<p:sld xmlns:a="http://schemas.openxmlformats.org/drawingml/2006/main" xmlns:r="http://schemas.openxmlformats.org/officeDocument/2006/relationships" xmlns:p="http://schemas.openxmlformats.org/presentationml/2006/main">
+  <p:cSld>
+    <p:spTree>
+      <p:nvGrpSpPr>
+        <p:cNvPr id="1" name=""/>
+        <p:cNvGrpSpPr/>
+        <p:nvPr/>
+      </p:nvGrpSpPr>
+      <p:grpSpPr>
+        <a:xfrm>
+          <a:off x="0" y="0"/>
+          <a:ext cx="0" cy="0"/>
+          <a:chOff x="0" y="0"/>
+          <a:chExt cx="0" cy="0"/>
+        </a:xfrm>
+      </p:grpSpPr>
+      <p:sp>
+        <p:nvSpPr>
+          <p:cNvPr id="2" name="Title 1">
+            <a:extLst>
+              <a:ext uri="{FF2B5EF4-FFF2-40B4-BE49-F238E27FC236}">
                 <a16:creationId xmlns:a16="http://schemas.microsoft.com/office/drawing/2014/main" id="{0DC546E4-1EF1-6199-7B47-DECAC7F327F3}"/>
               </a:ext>
             </a:extLst>
@@ -4162,7 +4280,7 @@
 </p:sld>
 </file>
 
-<file path=ppt/slides/slide16.xml><?xml version="1.0" encoding="utf-8"?>
+<file path=ppt/slides/slide17.xml><?xml version="1.0" encoding="utf-8"?>
 <p:sld xmlns:a="http://schemas.openxmlformats.org/drawingml/2006/main" xmlns:r="http://schemas.openxmlformats.org/officeDocument/2006/relationships" xmlns:p="http://schemas.openxmlformats.org/presentationml/2006/main">
   <p:cSld>
     <p:spTree>
@@ -4555,140 +4673,6 @@
 </p:sld>
 </file>
 
-<file path=ppt/slides/slide17.xml><?xml version="1.0" encoding="utf-8"?>
-<p:sld xmlns:a="http://schemas.openxmlformats.org/drawingml/2006/main" xmlns:r="http://schemas.openxmlformats.org/officeDocument/2006/relationships" xmlns:p="http://schemas.openxmlformats.org/presentationml/2006/main">
-  <p:cSld>
-    <p:spTree>
-      <p:nvGrpSpPr>
-        <p:cNvPr id="1" name=""/>
-        <p:cNvGrpSpPr/>
-        <p:nvPr/>
-      </p:nvGrpSpPr>
-      <p:grpSpPr>
-        <a:xfrm>
-          <a:off x="0" y="0"/>
-          <a:ext cx="0" cy="0"/>
-          <a:chOff x="0" y="0"/>
-          <a:chExt cx="0" cy="0"/>
-        </a:xfrm>
-      </p:grpSpPr>
-      <p:sp>
-        <p:nvSpPr>
-          <p:cNvPr id="2" name="Title 1">
-            <a:extLst>
-              <a:ext uri="{FF2B5EF4-FFF2-40B4-BE49-F238E27FC236}">
-                <a16:creationId xmlns:a16="http://schemas.microsoft.com/office/drawing/2014/main" id="{91D9E5B8-D9BA-7389-EF9F-D7AE699771C9}"/>
-              </a:ext>
-            </a:extLst>
-          </p:cNvPr>
-          <p:cNvSpPr>
-            <a:spLocks noGrp="1"/>
-          </p:cNvSpPr>
-          <p:nvPr>
-            <p:ph type="title"/>
-          </p:nvPr>
-        </p:nvSpPr>
-        <p:spPr/>
-        <p:txBody>
-          <a:bodyPr/>
-          <a:lstStyle/>
-          <a:p>
-            <a:r>
-              <a:rPr lang="en-US" dirty="0"/>
-              <a:t>Business Tool Situations for LLMs</a:t>
-            </a:r>
-          </a:p>
-        </p:txBody>
-      </p:sp>
-      <p:sp>
-        <p:nvSpPr>
-          <p:cNvPr id="3" name="Content Placeholder 2">
-            <a:extLst>
-              <a:ext uri="{FF2B5EF4-FFF2-40B4-BE49-F238E27FC236}">
-                <a16:creationId xmlns:a16="http://schemas.microsoft.com/office/drawing/2014/main" id="{82D60109-3AA0-2095-0CC9-817BD7C3CF94}"/>
-              </a:ext>
-            </a:extLst>
-          </p:cNvPr>
-          <p:cNvSpPr>
-            <a:spLocks noGrp="1"/>
-          </p:cNvSpPr>
-          <p:nvPr>
-            <p:ph idx="1"/>
-          </p:nvPr>
-        </p:nvSpPr>
-        <p:spPr/>
-        <p:txBody>
-          <a:bodyPr/>
-          <a:lstStyle/>
-          <a:p>
-            <a:r>
-              <a:rPr lang="en-US" dirty="0"/>
-              <a:t>Data Extraction / Formatting</a:t>
-            </a:r>
-          </a:p>
-          <a:p>
-            <a:pPr lvl="1"/>
-            <a:r>
-              <a:rPr lang="en-US" dirty="0"/>
-              <a:t>Ticket Example</a:t>
-            </a:r>
-          </a:p>
-          <a:p>
-            <a:pPr lvl="1"/>
-            <a:r>
-              <a:rPr lang="en-US" dirty="0"/>
-              <a:t>Moving data into a computer-readable format</a:t>
-            </a:r>
-          </a:p>
-          <a:p>
-            <a:pPr lvl="1"/>
-            <a:endParaRPr lang="en-US" dirty="0"/>
-          </a:p>
-          <a:p>
-            <a:r>
-              <a:rPr lang="en-US" dirty="0"/>
-              <a:t>Summarization</a:t>
-            </a:r>
-          </a:p>
-          <a:p>
-            <a:pPr lvl="1"/>
-            <a:r>
-              <a:rPr lang="en-US" dirty="0"/>
-              <a:t>Business Meeting Notes</a:t>
-            </a:r>
-          </a:p>
-          <a:p>
-            <a:pPr lvl="1"/>
-            <a:r>
-              <a:rPr lang="en-US" dirty="0"/>
-              <a:t>Email Communication</a:t>
-            </a:r>
-          </a:p>
-          <a:p>
-            <a:pPr lvl="1"/>
-            <a:endParaRPr lang="en-US" dirty="0"/>
-          </a:p>
-          <a:p>
-            <a:r>
-              <a:rPr lang="en-US" dirty="0"/>
-              <a:t>Sentiment Analysis…</a:t>
-            </a:r>
-          </a:p>
-        </p:txBody>
-      </p:sp>
-    </p:spTree>
-    <p:extLst>
-      <p:ext uri="{BB962C8B-B14F-4D97-AF65-F5344CB8AC3E}">
-        <p14:creationId xmlns:p14="http://schemas.microsoft.com/office/powerpoint/2010/main" val="756129398"/>
-      </p:ext>
-    </p:extLst>
-  </p:cSld>
-  <p:clrMapOvr>
-    <a:masterClrMapping/>
-  </p:clrMapOvr>
-</p:sld>
-</file>
-
 <file path=ppt/slides/slide18.xml><?xml version="1.0" encoding="utf-8"?>
 <p:sld xmlns:a="http://schemas.openxmlformats.org/drawingml/2006/main" xmlns:r="http://schemas.openxmlformats.org/officeDocument/2006/relationships" xmlns:p="http://schemas.openxmlformats.org/presentationml/2006/main">
   <p:cSld>
@@ -4711,7 +4695,7 @@
           <p:cNvPr id="2" name="Title 1">
             <a:extLst>
               <a:ext uri="{FF2B5EF4-FFF2-40B4-BE49-F238E27FC236}">
-                <a16:creationId xmlns:a16="http://schemas.microsoft.com/office/drawing/2014/main" id="{A9C4344C-2151-A5F1-AE23-62DE468A071E}"/>
+                <a16:creationId xmlns:a16="http://schemas.microsoft.com/office/drawing/2014/main" id="{91D9E5B8-D9BA-7389-EF9F-D7AE699771C9}"/>
               </a:ext>
             </a:extLst>
           </p:cNvPr>
@@ -4729,7 +4713,7 @@
           <a:p>
             <a:r>
               <a:rPr lang="en-US" dirty="0"/>
-              <a:t>What is Sentiment Analysis?</a:t>
+              <a:t>Business Tool Situations for LLMs</a:t>
             </a:r>
           </a:p>
         </p:txBody>
@@ -4739,7 +4723,7 @@
           <p:cNvPr id="3" name="Content Placeholder 2">
             <a:extLst>
               <a:ext uri="{FF2B5EF4-FFF2-40B4-BE49-F238E27FC236}">
-                <a16:creationId xmlns:a16="http://schemas.microsoft.com/office/drawing/2014/main" id="{24C228DE-1836-21E4-F928-02DD7AD52887}"/>
+                <a16:creationId xmlns:a16="http://schemas.microsoft.com/office/drawing/2014/main" id="{82D60109-3AA0-2095-0CC9-817BD7C3CF94}"/>
               </a:ext>
             </a:extLst>
           </p:cNvPr>
@@ -4757,63 +4741,55 @@
           <a:p>
             <a:r>
               <a:rPr lang="en-US" dirty="0"/>
-              <a:t>Evaluates Emotional Tone </a:t>
-            </a:r>
-          </a:p>
-          <a:p>
-            <a:endParaRPr lang="en-US" dirty="0"/>
-          </a:p>
-          <a:p>
-            <a:r>
-              <a:rPr lang="en-US" dirty="0"/>
-              <a:t>Why is this useful?</a:t>
-            </a:r>
-          </a:p>
-          <a:p>
-            <a:pPr lvl="1"/>
-            <a:r>
-              <a:rPr lang="en-US" dirty="0"/>
-              <a:t>Does a </a:t>
-            </a:r>
-            <a:r>
-              <a:rPr lang="en-US" dirty="0" err="1"/>
-              <a:t>ChatBot</a:t>
-            </a:r>
-            <a:r>
-              <a:rPr lang="en-US" dirty="0"/>
-              <a:t> user seem angry? Route to a human</a:t>
-            </a:r>
-          </a:p>
-          <a:p>
-            <a:pPr lvl="1"/>
-            <a:endParaRPr lang="en-US" dirty="0"/>
-          </a:p>
-          <a:p>
-            <a:pPr lvl="1"/>
-            <a:r>
-              <a:rPr lang="en-US" dirty="0"/>
-              <a:t>Auto-closing a ticket after a response like, “Looks like it’s all working now!”</a:t>
-            </a:r>
-          </a:p>
-          <a:p>
-            <a:pPr lvl="1"/>
-            <a:endParaRPr lang="en-US" dirty="0"/>
-          </a:p>
-          <a:p>
-            <a:pPr lvl="1"/>
-            <a:r>
-              <a:rPr lang="en-US" dirty="0"/>
-              <a:t>Does this email need follow-up?</a:t>
-            </a:r>
-          </a:p>
-          <a:p>
-            <a:pPr lvl="1"/>
-            <a:endParaRPr lang="en-US" dirty="0"/>
-          </a:p>
-          <a:p>
-            <a:r>
-              <a:rPr lang="en-US" dirty="0"/>
-              <a:t>Really good for categorizing Yes/No/Needs a Human style answers</a:t>
+              <a:t>Data Extraction / Formatting</a:t>
+            </a:r>
+          </a:p>
+          <a:p>
+            <a:pPr lvl="1"/>
+            <a:r>
+              <a:rPr lang="en-US" dirty="0"/>
+              <a:t>Ticket Example</a:t>
+            </a:r>
+          </a:p>
+          <a:p>
+            <a:pPr lvl="1"/>
+            <a:r>
+              <a:rPr lang="en-US" dirty="0"/>
+              <a:t>Moving data into a computer-readable format</a:t>
+            </a:r>
+          </a:p>
+          <a:p>
+            <a:pPr lvl="1"/>
+            <a:endParaRPr lang="en-US" dirty="0"/>
+          </a:p>
+          <a:p>
+            <a:r>
+              <a:rPr lang="en-US" dirty="0"/>
+              <a:t>Summarization</a:t>
+            </a:r>
+          </a:p>
+          <a:p>
+            <a:pPr lvl="1"/>
+            <a:r>
+              <a:rPr lang="en-US" dirty="0"/>
+              <a:t>Business Meeting Notes</a:t>
+            </a:r>
+          </a:p>
+          <a:p>
+            <a:pPr lvl="1"/>
+            <a:r>
+              <a:rPr lang="en-US" dirty="0"/>
+              <a:t>Email Communication</a:t>
+            </a:r>
+          </a:p>
+          <a:p>
+            <a:pPr lvl="1"/>
+            <a:endParaRPr lang="en-US" dirty="0"/>
+          </a:p>
+          <a:p>
+            <a:r>
+              <a:rPr lang="en-US" dirty="0"/>
+              <a:t>Sentiment Analysis…</a:t>
             </a:r>
           </a:p>
         </p:txBody>
@@ -4821,7 +4797,7 @@
     </p:spTree>
     <p:extLst>
       <p:ext uri="{BB962C8B-B14F-4D97-AF65-F5344CB8AC3E}">
-        <p14:creationId xmlns:p14="http://schemas.microsoft.com/office/powerpoint/2010/main" val="3258234359"/>
+        <p14:creationId xmlns:p14="http://schemas.microsoft.com/office/powerpoint/2010/main" val="756129398"/>
       </p:ext>
     </p:extLst>
   </p:cSld>
@@ -4853,7 +4829,7 @@
           <p:cNvPr id="2" name="Title 1">
             <a:extLst>
               <a:ext uri="{FF2B5EF4-FFF2-40B4-BE49-F238E27FC236}">
-                <a16:creationId xmlns:a16="http://schemas.microsoft.com/office/drawing/2014/main" id="{968A26E9-3D26-BBA8-4727-F917717312A9}"/>
+                <a16:creationId xmlns:a16="http://schemas.microsoft.com/office/drawing/2014/main" id="{A9C4344C-2151-A5F1-AE23-62DE468A071E}"/>
               </a:ext>
             </a:extLst>
           </p:cNvPr>
@@ -4871,7 +4847,7 @@
           <a:p>
             <a:r>
               <a:rPr lang="en-US" dirty="0"/>
-              <a:t>How do we do this?</a:t>
+              <a:t>What is Sentiment Analysis?</a:t>
             </a:r>
           </a:p>
         </p:txBody>
@@ -4881,7 +4857,7 @@
           <p:cNvPr id="3" name="Content Placeholder 2">
             <a:extLst>
               <a:ext uri="{FF2B5EF4-FFF2-40B4-BE49-F238E27FC236}">
-                <a16:creationId xmlns:a16="http://schemas.microsoft.com/office/drawing/2014/main" id="{B3516057-F999-C6C8-5407-AEEFFBF152A6}"/>
+                <a16:creationId xmlns:a16="http://schemas.microsoft.com/office/drawing/2014/main" id="{24C228DE-1836-21E4-F928-02DD7AD52887}"/>
               </a:ext>
             </a:extLst>
           </p:cNvPr>
@@ -4899,46 +4875,71 @@
           <a:p>
             <a:r>
               <a:rPr lang="en-US" dirty="0"/>
-              <a:t>Prompt Engineering!</a:t>
-            </a:r>
-          </a:p>
-          <a:p>
-            <a:endParaRPr lang="en-US" dirty="0"/>
-          </a:p>
-          <a:p>
-            <a:r>
-              <a:rPr lang="en-US" dirty="0"/>
-              <a:t>As we discussed before… it’s a bit of trial and error</a:t>
-            </a:r>
-          </a:p>
-          <a:p>
-            <a:endParaRPr lang="en-US" dirty="0"/>
-          </a:p>
-          <a:p>
-            <a:r>
-              <a:rPr lang="en-US" dirty="0"/>
-              <a:t>Scenario:</a:t>
-            </a:r>
-          </a:p>
-          <a:p>
-            <a:pPr marL="0" indent="0">
-              <a:buNone/>
-            </a:pPr>
-            <a:r>
-              <a:rPr lang="en-US" dirty="0"/>
-              <a:t>	Let’s say I’m getting too many emails, and I want a summary of them 	I can parse into JSON, </a:t>
-            </a:r>
-          </a:p>
-          <a:p>
-            <a:pPr lvl="1"/>
-            <a:endParaRPr lang="en-US" dirty="0"/>
+              <a:t>Evaluates Emotional Tone </a:t>
+            </a:r>
+          </a:p>
+          <a:p>
+            <a:endParaRPr lang="en-US" dirty="0"/>
+          </a:p>
+          <a:p>
+            <a:r>
+              <a:rPr lang="en-US" dirty="0"/>
+              <a:t>Why is this useful?</a:t>
+            </a:r>
+          </a:p>
+          <a:p>
+            <a:pPr lvl="1"/>
+            <a:r>
+              <a:rPr lang="en-US" dirty="0"/>
+              <a:t>Does a </a:t>
+            </a:r>
+            <a:r>
+              <a:rPr lang="en-US" dirty="0" err="1"/>
+              <a:t>ChatBot</a:t>
+            </a:r>
+            <a:r>
+              <a:rPr lang="en-US" dirty="0"/>
+              <a:t> user seem angry? Route to a human</a:t>
+            </a:r>
+          </a:p>
+          <a:p>
+            <a:pPr lvl="1"/>
+            <a:endParaRPr lang="en-US" dirty="0"/>
+          </a:p>
+          <a:p>
+            <a:pPr lvl="1"/>
+            <a:r>
+              <a:rPr lang="en-US" dirty="0"/>
+              <a:t>Auto-closing a ticket after a response like, “Looks like it’s all working now!”</a:t>
+            </a:r>
+          </a:p>
+          <a:p>
+            <a:pPr lvl="1"/>
+            <a:endParaRPr lang="en-US" dirty="0"/>
+          </a:p>
+          <a:p>
+            <a:pPr lvl="1"/>
+            <a:r>
+              <a:rPr lang="en-US" dirty="0"/>
+              <a:t>Does this email need follow-up?</a:t>
+            </a:r>
+          </a:p>
+          <a:p>
+            <a:pPr lvl="1"/>
+            <a:endParaRPr lang="en-US" dirty="0"/>
+          </a:p>
+          <a:p>
+            <a:r>
+              <a:rPr lang="en-US" dirty="0"/>
+              <a:t>Really good for categorizing Yes/No/Needs a Human style answers</a:t>
+            </a:r>
           </a:p>
         </p:txBody>
       </p:sp>
     </p:spTree>
     <p:extLst>
       <p:ext uri="{BB962C8B-B14F-4D97-AF65-F5344CB8AC3E}">
-        <p14:creationId xmlns:p14="http://schemas.microsoft.com/office/powerpoint/2010/main" val="547054865"/>
+        <p14:creationId xmlns:p14="http://schemas.microsoft.com/office/powerpoint/2010/main" val="3258234359"/>
       </p:ext>
     </p:extLst>
   </p:cSld>
@@ -4970,7 +4971,7 @@
           <p:cNvPr id="2" name="Title 1">
             <a:extLst>
               <a:ext uri="{FF2B5EF4-FFF2-40B4-BE49-F238E27FC236}">
-                <a16:creationId xmlns:a16="http://schemas.microsoft.com/office/drawing/2014/main" id="{B9F89644-ECBB-A801-2A3B-7F7D3C8AA997}"/>
+                <a16:creationId xmlns:a16="http://schemas.microsoft.com/office/drawing/2014/main" id="{CCED9006-AC9F-2E9B-F949-8A050ADB7E97}"/>
               </a:ext>
             </a:extLst>
           </p:cNvPr>
@@ -4988,7 +4989,7 @@
           <a:p>
             <a:r>
               <a:rPr lang="en-US" dirty="0"/>
-              <a:t>What are Business Tools?</a:t>
+              <a:t>Attendance Code</a:t>
             </a:r>
           </a:p>
         </p:txBody>
@@ -4998,7 +4999,7 @@
           <p:cNvPr id="3" name="Content Placeholder 2">
             <a:extLst>
               <a:ext uri="{FF2B5EF4-FFF2-40B4-BE49-F238E27FC236}">
-                <a16:creationId xmlns:a16="http://schemas.microsoft.com/office/drawing/2014/main" id="{524F58C6-1DB4-446C-D59E-95CE091EB0FA}"/>
+                <a16:creationId xmlns:a16="http://schemas.microsoft.com/office/drawing/2014/main" id="{CCBF1236-91C5-E019-80E7-1B72965A3059}"/>
               </a:ext>
             </a:extLst>
           </p:cNvPr>
@@ -5011,32 +5012,22 @@
         </p:nvSpPr>
         <p:spPr/>
         <p:txBody>
-          <a:bodyPr/>
-          <a:lstStyle/>
-          <a:p>
-            <a:r>
-              <a:rPr lang="en-US" dirty="0"/>
-              <a:t>Think about software tools, specifically</a:t>
-            </a:r>
-          </a:p>
-          <a:p>
-            <a:endParaRPr lang="en-US" dirty="0"/>
-          </a:p>
-          <a:p>
-            <a:r>
-              <a:rPr lang="en-US" dirty="0"/>
-              <a:t>With someone near you what do you think I mean by “business tools”?</a:t>
-            </a:r>
-          </a:p>
-          <a:p>
-            <a:endParaRPr lang="en-US" dirty="0"/>
+          <a:bodyPr>
+            <a:normAutofit/>
+          </a:bodyPr>
+          <a:lstStyle/>
+          <a:p>
+            <a:r>
+              <a:rPr lang="en-US" sz="6000" dirty="0"/>
+              <a:t>o91k72</a:t>
+            </a:r>
           </a:p>
         </p:txBody>
       </p:sp>
     </p:spTree>
     <p:extLst>
       <p:ext uri="{BB962C8B-B14F-4D97-AF65-F5344CB8AC3E}">
-        <p14:creationId xmlns:p14="http://schemas.microsoft.com/office/powerpoint/2010/main" val="1451644418"/>
+        <p14:creationId xmlns:p14="http://schemas.microsoft.com/office/powerpoint/2010/main" val="595924772"/>
       </p:ext>
     </p:extLst>
   </p:cSld>
@@ -5068,7 +5059,7 @@
           <p:cNvPr id="2" name="Title 1">
             <a:extLst>
               <a:ext uri="{FF2B5EF4-FFF2-40B4-BE49-F238E27FC236}">
-                <a16:creationId xmlns:a16="http://schemas.microsoft.com/office/drawing/2014/main" id="{08175EA6-6310-32C5-1389-FC2AA34A2D92}"/>
+                <a16:creationId xmlns:a16="http://schemas.microsoft.com/office/drawing/2014/main" id="{968A26E9-3D26-BBA8-4727-F917717312A9}"/>
               </a:ext>
             </a:extLst>
           </p:cNvPr>
@@ -5086,7 +5077,7 @@
           <a:p>
             <a:r>
               <a:rPr lang="en-US" dirty="0"/>
-              <a:t>Example Prompt</a:t>
+              <a:t>How do we do this?</a:t>
             </a:r>
           </a:p>
         </p:txBody>
@@ -5096,7 +5087,7 @@
           <p:cNvPr id="3" name="Content Placeholder 2">
             <a:extLst>
               <a:ext uri="{FF2B5EF4-FFF2-40B4-BE49-F238E27FC236}">
-                <a16:creationId xmlns:a16="http://schemas.microsoft.com/office/drawing/2014/main" id="{38B0F526-4BBC-D181-732A-9D7F2799737C}"/>
+                <a16:creationId xmlns:a16="http://schemas.microsoft.com/office/drawing/2014/main" id="{B3516057-F999-C6C8-5407-AEEFFBF152A6}"/>
               </a:ext>
             </a:extLst>
           </p:cNvPr>
@@ -5109,67 +5100,51 @@
         </p:nvSpPr>
         <p:spPr/>
         <p:txBody>
-          <a:bodyPr>
-            <a:normAutofit/>
-          </a:bodyPr>
-          <a:lstStyle/>
+          <a:bodyPr/>
+          <a:lstStyle/>
+          <a:p>
+            <a:r>
+              <a:rPr lang="en-US" dirty="0"/>
+              <a:t>Prompt Engineering!</a:t>
+            </a:r>
+          </a:p>
+          <a:p>
+            <a:endParaRPr lang="en-US" dirty="0"/>
+          </a:p>
+          <a:p>
+            <a:r>
+              <a:rPr lang="en-US" dirty="0"/>
+              <a:t>As we discussed before… it’s a bit of trial and error</a:t>
+            </a:r>
+          </a:p>
+          <a:p>
+            <a:endParaRPr lang="en-US" dirty="0"/>
+          </a:p>
+          <a:p>
+            <a:r>
+              <a:rPr lang="en-US" dirty="0"/>
+              <a:t>Scenario:</a:t>
+            </a:r>
+          </a:p>
           <a:p>
             <a:pPr marL="0" indent="0">
               <a:buNone/>
             </a:pPr>
             <a:r>
               <a:rPr lang="en-US" dirty="0"/>
-              <a:t>“You’re an email assistant helping me categorize my emails. For the following email, please return a JSON object with the following fields and given types:</a:t>
-            </a:r>
-          </a:p>
-          <a:p>
-            <a:r>
-              <a:rPr lang="en-US" dirty="0"/>
-              <a:t>Sender: string</a:t>
-            </a:r>
-          </a:p>
-          <a:p>
-            <a:r>
-              <a:rPr lang="en-US" dirty="0"/>
-              <a:t>Timestamp: datetime</a:t>
-            </a:r>
-          </a:p>
-          <a:p>
-            <a:r>
-              <a:rPr lang="en-US" dirty="0"/>
-              <a:t>Type: enumeration, options defined below</a:t>
-            </a:r>
-          </a:p>
-          <a:p>
-            <a:r>
-              <a:rPr lang="en-US" dirty="0" err="1"/>
-              <a:t>ActionNeeded</a:t>
-            </a:r>
-            <a:r>
-              <a:rPr lang="en-US" dirty="0"/>
-              <a:t>: </a:t>
-            </a:r>
-            <a:r>
-              <a:rPr lang="en-US" dirty="0" err="1"/>
-              <a:t>boolean</a:t>
-            </a:r>
-            <a:endParaRPr lang="en-US" dirty="0"/>
-          </a:p>
-          <a:p>
-            <a:pPr marL="0" indent="0">
-              <a:buNone/>
-            </a:pPr>
-            <a:r>
-              <a:rPr lang="en-US" dirty="0"/>
-              <a:t>…</a:t>
-            </a:r>
+              <a:t>	Let’s say I’m getting too many emails, and I want a summary of them 	I can parse into JSON, </a:t>
+            </a:r>
+          </a:p>
+          <a:p>
+            <a:pPr lvl="1"/>
+            <a:endParaRPr lang="en-US" dirty="0"/>
           </a:p>
         </p:txBody>
       </p:sp>
     </p:spTree>
     <p:extLst>
       <p:ext uri="{BB962C8B-B14F-4D97-AF65-F5344CB8AC3E}">
-        <p14:creationId xmlns:p14="http://schemas.microsoft.com/office/powerpoint/2010/main" val="3291368701"/>
+        <p14:creationId xmlns:p14="http://schemas.microsoft.com/office/powerpoint/2010/main" val="547054865"/>
       </p:ext>
     </p:extLst>
   </p:cSld>
@@ -5201,7 +5176,7 @@
           <p:cNvPr id="2" name="Title 1">
             <a:extLst>
               <a:ext uri="{FF2B5EF4-FFF2-40B4-BE49-F238E27FC236}">
-                <a16:creationId xmlns:a16="http://schemas.microsoft.com/office/drawing/2014/main" id="{3B830645-7AF0-1578-7F26-E4A043CCE77F}"/>
+                <a16:creationId xmlns:a16="http://schemas.microsoft.com/office/drawing/2014/main" id="{08175EA6-6310-32C5-1389-FC2AA34A2D92}"/>
               </a:ext>
             </a:extLst>
           </p:cNvPr>
@@ -5219,7 +5194,7 @@
           <a:p>
             <a:r>
               <a:rPr lang="en-US" dirty="0"/>
-              <a:t>Prompt Continued</a:t>
+              <a:t>Example Prompt</a:t>
             </a:r>
           </a:p>
         </p:txBody>
@@ -5229,7 +5204,7 @@
           <p:cNvPr id="3" name="Content Placeholder 2">
             <a:extLst>
               <a:ext uri="{FF2B5EF4-FFF2-40B4-BE49-F238E27FC236}">
-                <a16:creationId xmlns:a16="http://schemas.microsoft.com/office/drawing/2014/main" id="{7EFBADCF-03F2-5DF9-7ABA-54F37F5AFE4E}"/>
+                <a16:creationId xmlns:a16="http://schemas.microsoft.com/office/drawing/2014/main" id="{38B0F526-4BBC-D181-732A-9D7F2799737C}"/>
               </a:ext>
             </a:extLst>
           </p:cNvPr>
@@ -5243,7 +5218,7 @@
         <p:spPr/>
         <p:txBody>
           <a:bodyPr>
-            <a:normAutofit lnSpcReduction="10000"/>
+            <a:normAutofit/>
           </a:bodyPr>
           <a:lstStyle/>
           <a:p>
@@ -5252,8 +5227,41 @@
             </a:pPr>
             <a:r>
               <a:rPr lang="en-US" dirty="0"/>
-              <a:t>“…</a:t>
-            </a:r>
+              <a:t>“You’re an email assistant helping me categorize my emails. For the following email, please return a JSON object with the following fields and given types:</a:t>
+            </a:r>
+          </a:p>
+          <a:p>
+            <a:r>
+              <a:rPr lang="en-US" dirty="0"/>
+              <a:t>Sender: string</a:t>
+            </a:r>
+          </a:p>
+          <a:p>
+            <a:r>
+              <a:rPr lang="en-US" dirty="0"/>
+              <a:t>Timestamp: datetime</a:t>
+            </a:r>
+          </a:p>
+          <a:p>
+            <a:r>
+              <a:rPr lang="en-US" dirty="0"/>
+              <a:t>Type: enumeration, options defined below</a:t>
+            </a:r>
+          </a:p>
+          <a:p>
+            <a:r>
+              <a:rPr lang="en-US" dirty="0" err="1"/>
+              <a:t>ActionNeeded</a:t>
+            </a:r>
+            <a:r>
+              <a:rPr lang="en-US" dirty="0"/>
+              <a:t>: </a:t>
+            </a:r>
+            <a:r>
+              <a:rPr lang="en-US" dirty="0" err="1"/>
+              <a:t>boolean</a:t>
+            </a:r>
+            <a:endParaRPr lang="en-US" dirty="0"/>
           </a:p>
           <a:p>
             <a:pPr marL="0" indent="0">
@@ -5261,59 +5269,7 @@
             </a:pPr>
             <a:r>
               <a:rPr lang="en-US" dirty="0"/>
-              <a:t>The sender field should always be populated with the name of the sender. The timestamp field should always be populated with the date and time, in my local time, that the email was received. The type should be defined as follows:</a:t>
-            </a:r>
-          </a:p>
-          <a:p>
-            <a:pPr marL="0" indent="0">
-              <a:buNone/>
-            </a:pPr>
-            <a:r>
-              <a:rPr lang="en-US" dirty="0"/>
-              <a:t>* If an email appears to be a request from a student, the type should be Student and </a:t>
-            </a:r>
-            <a:r>
-              <a:rPr lang="en-US" dirty="0" err="1"/>
-              <a:t>ActionNeeded</a:t>
-            </a:r>
-            <a:r>
-              <a:rPr lang="en-US" dirty="0"/>
-              <a:t> should be true.</a:t>
-            </a:r>
-          </a:p>
-          <a:p>
-            <a:pPr marL="0" indent="0">
-              <a:buNone/>
-            </a:pPr>
-            <a:r>
-              <a:rPr lang="en-US" dirty="0"/>
-              <a:t>* If the email appears to be from one of my committees, the type should be Committee and </a:t>
-            </a:r>
-            <a:r>
-              <a:rPr lang="en-US" dirty="0" err="1"/>
-              <a:t>ActionNeeded</a:t>
-            </a:r>
-            <a:r>
-              <a:rPr lang="en-US" dirty="0"/>
-              <a:t> should be true. </a:t>
-            </a:r>
-          </a:p>
-          <a:p>
-            <a:pPr marL="0" indent="0">
-              <a:buNone/>
-            </a:pPr>
-            <a:r>
-              <a:rPr lang="en-US" dirty="0"/>
               <a:t>…</a:t>
-            </a:r>
-          </a:p>
-          <a:p>
-            <a:pPr marL="0" indent="0">
-              <a:buNone/>
-            </a:pPr>
-            <a:r>
-              <a:rPr lang="en-US" dirty="0"/>
-              <a:t>”</a:t>
             </a:r>
           </a:p>
         </p:txBody>
@@ -5321,7 +5277,7 @@
     </p:spTree>
     <p:extLst>
       <p:ext uri="{BB962C8B-B14F-4D97-AF65-F5344CB8AC3E}">
-        <p14:creationId xmlns:p14="http://schemas.microsoft.com/office/powerpoint/2010/main" val="2418596129"/>
+        <p14:creationId xmlns:p14="http://schemas.microsoft.com/office/powerpoint/2010/main" val="3291368701"/>
       </p:ext>
     </p:extLst>
   </p:cSld>
@@ -5353,7 +5309,7 @@
           <p:cNvPr id="2" name="Title 1">
             <a:extLst>
               <a:ext uri="{FF2B5EF4-FFF2-40B4-BE49-F238E27FC236}">
-                <a16:creationId xmlns:a16="http://schemas.microsoft.com/office/drawing/2014/main" id="{8C707BC5-2817-B1EF-9E10-7F7E8D1C8FF9}"/>
+                <a16:creationId xmlns:a16="http://schemas.microsoft.com/office/drawing/2014/main" id="{3B830645-7AF0-1578-7F26-E4A043CCE77F}"/>
               </a:ext>
             </a:extLst>
           </p:cNvPr>
@@ -5381,7 +5337,7 @@
           <p:cNvPr id="3" name="Content Placeholder 2">
             <a:extLst>
               <a:ext uri="{FF2B5EF4-FFF2-40B4-BE49-F238E27FC236}">
-                <a16:creationId xmlns:a16="http://schemas.microsoft.com/office/drawing/2014/main" id="{86014F43-317C-6E6D-58A4-3DBBC66117F9}"/>
+                <a16:creationId xmlns:a16="http://schemas.microsoft.com/office/drawing/2014/main" id="{7EFBADCF-03F2-5DF9-7ABA-54F37F5AFE4E}"/>
               </a:ext>
             </a:extLst>
           </p:cNvPr>
@@ -5394,7 +5350,9 @@
         </p:nvSpPr>
         <p:spPr/>
         <p:txBody>
-          <a:bodyPr/>
+          <a:bodyPr>
+            <a:normAutofit lnSpcReduction="10000"/>
+          </a:bodyPr>
           <a:lstStyle/>
           <a:p>
             <a:pPr marL="0" indent="0">
@@ -5402,15 +5360,7 @@
             </a:pPr>
             <a:r>
               <a:rPr lang="en-US" dirty="0"/>
-              <a:t>* If the email appears to be an all-campus email, the type should be All-Campus and </a:t>
-            </a:r>
-            <a:r>
-              <a:rPr lang="en-US" dirty="0" err="1"/>
-              <a:t>ActionNeed</a:t>
-            </a:r>
-            <a:r>
-              <a:rPr lang="en-US" dirty="0"/>
-              <a:t> should be false.</a:t>
+              <a:t>“…</a:t>
             </a:r>
           </a:p>
           <a:p>
@@ -5419,7 +5369,7 @@
             </a:pPr>
             <a:r>
               <a:rPr lang="en-US" dirty="0"/>
-              <a:t>…</a:t>
+              <a:t>The sender field should always be populated with the name of the sender. The timestamp field should always be populated with the date and time, in my local time, that the email was received. The type should be defined as follows:</a:t>
             </a:r>
           </a:p>
           <a:p>
@@ -5428,41 +5378,58 @@
             </a:pPr>
             <a:r>
               <a:rPr lang="en-US" dirty="0"/>
-              <a:t>For all results, format the result as JSON data. Do NOT include the ```</a:t>
+              <a:t>* If an email appears to be a request from a student, the type should be Student and </a:t>
             </a:r>
             <a:r>
               <a:rPr lang="en-US" dirty="0" err="1"/>
-              <a:t>json</a:t>
-            </a:r>
-            <a:r>
-              <a:rPr lang="en-US" dirty="0"/>
-              <a:t> ``` header that markup data includes.”</a:t>
+              <a:t>ActionNeeded</a:t>
+            </a:r>
+            <a:r>
+              <a:rPr lang="en-US" dirty="0"/>
+              <a:t> should be true.</a:t>
             </a:r>
           </a:p>
           <a:p>
             <a:pPr marL="0" indent="0">
               <a:buNone/>
             </a:pPr>
-            <a:endParaRPr lang="en-US" dirty="0"/>
-          </a:p>
-          <a:p>
-            <a:r>
-              <a:rPr lang="en-US" dirty="0"/>
-              <a:t>The cool thing? These prompts look a LOT like pseudocode. </a:t>
+            <a:r>
+              <a:rPr lang="en-US" dirty="0"/>
+              <a:t>* If the email appears to be from one of my committees, the type should be Committee and </a:t>
+            </a:r>
+            <a:r>
+              <a:rPr lang="en-US" dirty="0" err="1"/>
+              <a:t>ActionNeeded</a:t>
+            </a:r>
+            <a:r>
+              <a:rPr lang="en-US" dirty="0"/>
+              <a:t> should be true. </a:t>
             </a:r>
           </a:p>
           <a:p>
             <a:pPr marL="0" indent="0">
               <a:buNone/>
             </a:pPr>
-            <a:endParaRPr lang="en-US" dirty="0"/>
+            <a:r>
+              <a:rPr lang="en-US" dirty="0"/>
+              <a:t>…</a:t>
+            </a:r>
+          </a:p>
+          <a:p>
+            <a:pPr marL="0" indent="0">
+              <a:buNone/>
+            </a:pPr>
+            <a:r>
+              <a:rPr lang="en-US" dirty="0"/>
+              <a:t>”</a:t>
+            </a:r>
           </a:p>
         </p:txBody>
       </p:sp>
     </p:spTree>
     <p:extLst>
       <p:ext uri="{BB962C8B-B14F-4D97-AF65-F5344CB8AC3E}">
-        <p14:creationId xmlns:p14="http://schemas.microsoft.com/office/powerpoint/2010/main" val="3481203244"/>
+        <p14:creationId xmlns:p14="http://schemas.microsoft.com/office/powerpoint/2010/main" val="2418596129"/>
       </p:ext>
     </p:extLst>
   </p:cSld>
@@ -5494,6 +5461,147 @@
           <p:cNvPr id="2" name="Title 1">
             <a:extLst>
               <a:ext uri="{FF2B5EF4-FFF2-40B4-BE49-F238E27FC236}">
+                <a16:creationId xmlns:a16="http://schemas.microsoft.com/office/drawing/2014/main" id="{8C707BC5-2817-B1EF-9E10-7F7E8D1C8FF9}"/>
+              </a:ext>
+            </a:extLst>
+          </p:cNvPr>
+          <p:cNvSpPr>
+            <a:spLocks noGrp="1"/>
+          </p:cNvSpPr>
+          <p:nvPr>
+            <p:ph type="title"/>
+          </p:nvPr>
+        </p:nvSpPr>
+        <p:spPr/>
+        <p:txBody>
+          <a:bodyPr/>
+          <a:lstStyle/>
+          <a:p>
+            <a:r>
+              <a:rPr lang="en-US" dirty="0"/>
+              <a:t>Prompt Continued</a:t>
+            </a:r>
+          </a:p>
+        </p:txBody>
+      </p:sp>
+      <p:sp>
+        <p:nvSpPr>
+          <p:cNvPr id="3" name="Content Placeholder 2">
+            <a:extLst>
+              <a:ext uri="{FF2B5EF4-FFF2-40B4-BE49-F238E27FC236}">
+                <a16:creationId xmlns:a16="http://schemas.microsoft.com/office/drawing/2014/main" id="{86014F43-317C-6E6D-58A4-3DBBC66117F9}"/>
+              </a:ext>
+            </a:extLst>
+          </p:cNvPr>
+          <p:cNvSpPr>
+            <a:spLocks noGrp="1"/>
+          </p:cNvSpPr>
+          <p:nvPr>
+            <p:ph idx="1"/>
+          </p:nvPr>
+        </p:nvSpPr>
+        <p:spPr/>
+        <p:txBody>
+          <a:bodyPr/>
+          <a:lstStyle/>
+          <a:p>
+            <a:pPr marL="0" indent="0">
+              <a:buNone/>
+            </a:pPr>
+            <a:r>
+              <a:rPr lang="en-US" dirty="0"/>
+              <a:t>* If the email appears to be an all-campus email, the type should be All-Campus and </a:t>
+            </a:r>
+            <a:r>
+              <a:rPr lang="en-US" dirty="0" err="1"/>
+              <a:t>ActionNeed</a:t>
+            </a:r>
+            <a:r>
+              <a:rPr lang="en-US" dirty="0"/>
+              <a:t> should be false.</a:t>
+            </a:r>
+          </a:p>
+          <a:p>
+            <a:pPr marL="0" indent="0">
+              <a:buNone/>
+            </a:pPr>
+            <a:r>
+              <a:rPr lang="en-US" dirty="0"/>
+              <a:t>…</a:t>
+            </a:r>
+          </a:p>
+          <a:p>
+            <a:pPr marL="0" indent="0">
+              <a:buNone/>
+            </a:pPr>
+            <a:r>
+              <a:rPr lang="en-US" dirty="0"/>
+              <a:t>For all results, format the result as JSON data. Do NOT include the ```</a:t>
+            </a:r>
+            <a:r>
+              <a:rPr lang="en-US" dirty="0" err="1"/>
+              <a:t>json</a:t>
+            </a:r>
+            <a:r>
+              <a:rPr lang="en-US" dirty="0"/>
+              <a:t> ``` header that markup data includes.”</a:t>
+            </a:r>
+          </a:p>
+          <a:p>
+            <a:pPr marL="0" indent="0">
+              <a:buNone/>
+            </a:pPr>
+            <a:endParaRPr lang="en-US" dirty="0"/>
+          </a:p>
+          <a:p>
+            <a:r>
+              <a:rPr lang="en-US" dirty="0"/>
+              <a:t>The cool thing? These prompts look a LOT like pseudocode. </a:t>
+            </a:r>
+          </a:p>
+          <a:p>
+            <a:pPr marL="0" indent="0">
+              <a:buNone/>
+            </a:pPr>
+            <a:endParaRPr lang="en-US" dirty="0"/>
+          </a:p>
+        </p:txBody>
+      </p:sp>
+    </p:spTree>
+    <p:extLst>
+      <p:ext uri="{BB962C8B-B14F-4D97-AF65-F5344CB8AC3E}">
+        <p14:creationId xmlns:p14="http://schemas.microsoft.com/office/powerpoint/2010/main" val="3481203244"/>
+      </p:ext>
+    </p:extLst>
+  </p:cSld>
+  <p:clrMapOvr>
+    <a:masterClrMapping/>
+  </p:clrMapOvr>
+</p:sld>
+</file>
+
+<file path=ppt/slides/slide24.xml><?xml version="1.0" encoding="utf-8"?>
+<p:sld xmlns:a="http://schemas.openxmlformats.org/drawingml/2006/main" xmlns:r="http://schemas.openxmlformats.org/officeDocument/2006/relationships" xmlns:p="http://schemas.openxmlformats.org/presentationml/2006/main">
+  <p:cSld>
+    <p:spTree>
+      <p:nvGrpSpPr>
+        <p:cNvPr id="1" name=""/>
+        <p:cNvGrpSpPr/>
+        <p:nvPr/>
+      </p:nvGrpSpPr>
+      <p:grpSpPr>
+        <a:xfrm>
+          <a:off x="0" y="0"/>
+          <a:ext cx="0" cy="0"/>
+          <a:chOff x="0" y="0"/>
+          <a:chExt cx="0" cy="0"/>
+        </a:xfrm>
+      </p:grpSpPr>
+      <p:sp>
+        <p:nvSpPr>
+          <p:cNvPr id="2" name="Title 1">
+            <a:extLst>
+              <a:ext uri="{FF2B5EF4-FFF2-40B4-BE49-F238E27FC236}">
                 <a16:creationId xmlns:a16="http://schemas.microsoft.com/office/drawing/2014/main" id="{30D4CAC2-05DA-9867-02E2-0E81D154A019}"/>
               </a:ext>
             </a:extLst>
@@ -5611,7 +5719,7 @@
 </p:sld>
 </file>
 
-<file path=ppt/slides/slide24.xml><?xml version="1.0" encoding="utf-8"?>
+<file path=ppt/slides/slide25.xml><?xml version="1.0" encoding="utf-8"?>
 <p:sld xmlns:a="http://schemas.openxmlformats.org/drawingml/2006/main" xmlns:r="http://schemas.openxmlformats.org/officeDocument/2006/relationships" xmlns:p="http://schemas.openxmlformats.org/presentationml/2006/main">
   <p:cSld>
     <p:spTree>
@@ -5754,7 +5862,7 @@
           <p:cNvPr id="2" name="Title 1">
             <a:extLst>
               <a:ext uri="{FF2B5EF4-FFF2-40B4-BE49-F238E27FC236}">
-                <a16:creationId xmlns:a16="http://schemas.microsoft.com/office/drawing/2014/main" id="{B3907F60-5791-B942-E181-647F8D9A2560}"/>
+                <a16:creationId xmlns:a16="http://schemas.microsoft.com/office/drawing/2014/main" id="{B9F89644-ECBB-A801-2A3B-7F7D3C8AA997}"/>
               </a:ext>
             </a:extLst>
           </p:cNvPr>
@@ -5772,7 +5880,7 @@
           <a:p>
             <a:r>
               <a:rPr lang="en-US" dirty="0"/>
-              <a:t>What do I mean by “Business Tools”?</a:t>
+              <a:t>What are Business Tools?</a:t>
             </a:r>
           </a:p>
         </p:txBody>
@@ -5782,7 +5890,7 @@
           <p:cNvPr id="3" name="Content Placeholder 2">
             <a:extLst>
               <a:ext uri="{FF2B5EF4-FFF2-40B4-BE49-F238E27FC236}">
-                <a16:creationId xmlns:a16="http://schemas.microsoft.com/office/drawing/2014/main" id="{7015DBDD-D280-1987-1CE2-1B7B6F6AE96E}"/>
+                <a16:creationId xmlns:a16="http://schemas.microsoft.com/office/drawing/2014/main" id="{524F58C6-1DB4-446C-D59E-95CE091EB0FA}"/>
               </a:ext>
             </a:extLst>
           </p:cNvPr>
@@ -5800,24 +5908,16 @@
           <a:p>
             <a:r>
               <a:rPr lang="en-US" dirty="0"/>
-              <a:t>Anything that helps reach a “business goal”</a:t>
-            </a:r>
-          </a:p>
-          <a:p>
-            <a:pPr lvl="1"/>
-            <a:r>
-              <a:rPr lang="en-US" dirty="0"/>
-              <a:t>Really just a goal set by a business, company, school, etc. </a:t>
-            </a:r>
-          </a:p>
-          <a:p>
-            <a:pPr lvl="1"/>
-            <a:endParaRPr lang="en-US" dirty="0"/>
-          </a:p>
-          <a:p>
-            <a:r>
-              <a:rPr lang="en-US" dirty="0"/>
-              <a:t>Usually they’re data-heavy</a:t>
+              <a:t>Think about software tools, specifically</a:t>
+            </a:r>
+          </a:p>
+          <a:p>
+            <a:endParaRPr lang="en-US" dirty="0"/>
+          </a:p>
+          <a:p>
+            <a:r>
+              <a:rPr lang="en-US" dirty="0"/>
+              <a:t>With someone near you what do you think I mean by “business tools”?</a:t>
             </a:r>
           </a:p>
           <a:p>
@@ -5828,7 +5928,7 @@
     </p:spTree>
     <p:extLst>
       <p:ext uri="{BB962C8B-B14F-4D97-AF65-F5344CB8AC3E}">
-        <p14:creationId xmlns:p14="http://schemas.microsoft.com/office/powerpoint/2010/main" val="1783182326"/>
+        <p14:creationId xmlns:p14="http://schemas.microsoft.com/office/powerpoint/2010/main" val="1451644418"/>
       </p:ext>
     </p:extLst>
   </p:cSld>
@@ -5860,7 +5960,7 @@
           <p:cNvPr id="2" name="Title 1">
             <a:extLst>
               <a:ext uri="{FF2B5EF4-FFF2-40B4-BE49-F238E27FC236}">
-                <a16:creationId xmlns:a16="http://schemas.microsoft.com/office/drawing/2014/main" id="{890C977D-B168-7C1D-A99F-C47B2043FC7C}"/>
+                <a16:creationId xmlns:a16="http://schemas.microsoft.com/office/drawing/2014/main" id="{B3907F60-5791-B942-E181-647F8D9A2560}"/>
               </a:ext>
             </a:extLst>
           </p:cNvPr>
@@ -5878,7 +5978,7 @@
           <a:p>
             <a:r>
               <a:rPr lang="en-US" dirty="0"/>
-              <a:t>Why do we care about AI/LLMs (in business)?</a:t>
+              <a:t>What do I mean by “Business Tools”?</a:t>
             </a:r>
           </a:p>
         </p:txBody>
@@ -5888,7 +5988,7 @@
           <p:cNvPr id="3" name="Content Placeholder 2">
             <a:extLst>
               <a:ext uri="{FF2B5EF4-FFF2-40B4-BE49-F238E27FC236}">
-                <a16:creationId xmlns:a16="http://schemas.microsoft.com/office/drawing/2014/main" id="{0070D40A-A4CC-831F-5B5F-6CEB57778E38}"/>
+                <a16:creationId xmlns:a16="http://schemas.microsoft.com/office/drawing/2014/main" id="{7015DBDD-D280-1987-1CE2-1B7B6F6AE96E}"/>
               </a:ext>
             </a:extLst>
           </p:cNvPr>
@@ -5906,58 +6006,35 @@
           <a:p>
             <a:r>
               <a:rPr lang="en-US" dirty="0"/>
-              <a:t>Talk with someone near you and brainstorm:</a:t>
-            </a:r>
-          </a:p>
-          <a:p>
-            <a:endParaRPr lang="en-US" dirty="0"/>
-          </a:p>
-          <a:p>
-            <a:pPr lvl="1"/>
-            <a:r>
-              <a:rPr lang="en-US" dirty="0"/>
-              <a:t>What can we do with AI/LLMs that we couldn’t before?</a:t>
-            </a:r>
-          </a:p>
-          <a:p>
-            <a:pPr lvl="1"/>
-            <a:endParaRPr lang="en-US" dirty="0"/>
-          </a:p>
-          <a:p>
-            <a:pPr lvl="1"/>
-            <a:r>
-              <a:rPr lang="en-US" dirty="0"/>
-              <a:t>How are those things beneficial to a business?</a:t>
-            </a:r>
-          </a:p>
-          <a:p>
-            <a:pPr lvl="1"/>
-            <a:endParaRPr lang="en-US" dirty="0"/>
-          </a:p>
-          <a:p>
-            <a:pPr lvl="1"/>
-            <a:r>
-              <a:rPr lang="en-US" dirty="0"/>
-              <a:t>What are the potential drawbacks?</a:t>
-            </a:r>
-          </a:p>
-          <a:p>
-            <a:pPr lvl="1"/>
-            <a:endParaRPr lang="en-US" dirty="0"/>
-          </a:p>
-          <a:p>
-            <a:pPr lvl="1"/>
-            <a:r>
-              <a:rPr lang="en-US" dirty="0"/>
-              <a:t>Other thoughts?</a:t>
-            </a:r>
+              <a:t>Anything that helps reach a “business goal”</a:t>
+            </a:r>
+          </a:p>
+          <a:p>
+            <a:pPr lvl="1"/>
+            <a:r>
+              <a:rPr lang="en-US" dirty="0"/>
+              <a:t>Really just a goal set by a business, company, school, etc. </a:t>
+            </a:r>
+          </a:p>
+          <a:p>
+            <a:pPr lvl="1"/>
+            <a:endParaRPr lang="en-US" dirty="0"/>
+          </a:p>
+          <a:p>
+            <a:r>
+              <a:rPr lang="en-US" dirty="0"/>
+              <a:t>Usually they’re data-heavy</a:t>
+            </a:r>
+          </a:p>
+          <a:p>
+            <a:endParaRPr lang="en-US" dirty="0"/>
           </a:p>
         </p:txBody>
       </p:sp>
     </p:spTree>
     <p:extLst>
       <p:ext uri="{BB962C8B-B14F-4D97-AF65-F5344CB8AC3E}">
-        <p14:creationId xmlns:p14="http://schemas.microsoft.com/office/powerpoint/2010/main" val="1419281683"/>
+        <p14:creationId xmlns:p14="http://schemas.microsoft.com/office/powerpoint/2010/main" val="1783182326"/>
       </p:ext>
     </p:extLst>
   </p:cSld>
@@ -5989,7 +6066,7 @@
           <p:cNvPr id="2" name="Title 1">
             <a:extLst>
               <a:ext uri="{FF2B5EF4-FFF2-40B4-BE49-F238E27FC236}">
-                <a16:creationId xmlns:a16="http://schemas.microsoft.com/office/drawing/2014/main" id="{84C2ABF4-E024-9A4C-6756-69FFE1F53A3E}"/>
+                <a16:creationId xmlns:a16="http://schemas.microsoft.com/office/drawing/2014/main" id="{890C977D-B168-7C1D-A99F-C47B2043FC7C}"/>
               </a:ext>
             </a:extLst>
           </p:cNvPr>
@@ -6002,21 +6079,12 @@
         </p:nvSpPr>
         <p:spPr/>
         <p:txBody>
-          <a:bodyPr>
-            <a:normAutofit fontScale="90000"/>
-          </a:bodyPr>
-          <a:lstStyle/>
-          <a:p>
-            <a:r>
-              <a:rPr lang="en-US" dirty="0"/>
-              <a:t>Benefits of LLMs in Business </a:t>
-            </a:r>
-            <a:br>
-              <a:rPr lang="en-US" dirty="0"/>
-            </a:br>
-            <a:r>
-              <a:rPr lang="en-US" dirty="0"/>
-              <a:t>(when you don’t own them)</a:t>
+          <a:bodyPr/>
+          <a:lstStyle/>
+          <a:p>
+            <a:r>
+              <a:rPr lang="en-US" dirty="0"/>
+              <a:t>Why do we care about AI/LLMs (in business)?</a:t>
             </a:r>
           </a:p>
         </p:txBody>
@@ -6026,7 +6094,7 @@
           <p:cNvPr id="3" name="Content Placeholder 2">
             <a:extLst>
               <a:ext uri="{FF2B5EF4-FFF2-40B4-BE49-F238E27FC236}">
-                <a16:creationId xmlns:a16="http://schemas.microsoft.com/office/drawing/2014/main" id="{10E366F8-3A10-4CCF-B458-CDE542AD37C4}"/>
+                <a16:creationId xmlns:a16="http://schemas.microsoft.com/office/drawing/2014/main" id="{0070D40A-A4CC-831F-5B5F-6CEB57778E38}"/>
               </a:ext>
             </a:extLst>
           </p:cNvPr>
@@ -6044,52 +6112,58 @@
           <a:p>
             <a:r>
               <a:rPr lang="en-US" dirty="0"/>
-              <a:t>ML models have been used for years for predictions</a:t>
-            </a:r>
-          </a:p>
-          <a:p>
-            <a:endParaRPr lang="en-US" dirty="0"/>
-          </a:p>
-          <a:p>
-            <a:r>
-              <a:rPr lang="en-US" dirty="0"/>
-              <a:t>But LLMs open up a new world…</a:t>
-            </a:r>
-          </a:p>
-          <a:p>
-            <a:endParaRPr lang="en-US" dirty="0"/>
-          </a:p>
-          <a:p>
-            <a:r>
-              <a:rPr lang="en-US" dirty="0"/>
-              <a:t>Until recently, usable data was limited to processed data</a:t>
-            </a:r>
-          </a:p>
-          <a:p>
-            <a:endParaRPr lang="en-US" dirty="0"/>
-          </a:p>
-          <a:p>
-            <a:r>
-              <a:rPr lang="en-US" dirty="0"/>
-              <a:t>Now we can parse human-readable data</a:t>
-            </a:r>
-          </a:p>
-          <a:p>
-            <a:pPr lvl="1"/>
-            <a:r>
-              <a:rPr lang="en-US" dirty="0"/>
-              <a:t>That’s a HUGE difference!</a:t>
-            </a:r>
-          </a:p>
-          <a:p>
-            <a:endParaRPr lang="en-US" dirty="0"/>
+              <a:t>Talk with someone near you and brainstorm:</a:t>
+            </a:r>
+          </a:p>
+          <a:p>
+            <a:endParaRPr lang="en-US" dirty="0"/>
+          </a:p>
+          <a:p>
+            <a:pPr lvl="1"/>
+            <a:r>
+              <a:rPr lang="en-US" dirty="0"/>
+              <a:t>What can we do with AI/LLMs that we couldn’t before?</a:t>
+            </a:r>
+          </a:p>
+          <a:p>
+            <a:pPr lvl="1"/>
+            <a:endParaRPr lang="en-US" dirty="0"/>
+          </a:p>
+          <a:p>
+            <a:pPr lvl="1"/>
+            <a:r>
+              <a:rPr lang="en-US" dirty="0"/>
+              <a:t>How are those things beneficial to a business?</a:t>
+            </a:r>
+          </a:p>
+          <a:p>
+            <a:pPr lvl="1"/>
+            <a:endParaRPr lang="en-US" dirty="0"/>
+          </a:p>
+          <a:p>
+            <a:pPr lvl="1"/>
+            <a:r>
+              <a:rPr lang="en-US" dirty="0"/>
+              <a:t>What are the potential drawbacks?</a:t>
+            </a:r>
+          </a:p>
+          <a:p>
+            <a:pPr lvl="1"/>
+            <a:endParaRPr lang="en-US" dirty="0"/>
+          </a:p>
+          <a:p>
+            <a:pPr lvl="1"/>
+            <a:r>
+              <a:rPr lang="en-US" dirty="0"/>
+              <a:t>Other thoughts?</a:t>
+            </a:r>
           </a:p>
         </p:txBody>
       </p:sp>
     </p:spTree>
     <p:extLst>
       <p:ext uri="{BB962C8B-B14F-4D97-AF65-F5344CB8AC3E}">
-        <p14:creationId xmlns:p14="http://schemas.microsoft.com/office/powerpoint/2010/main" val="3846877764"/>
+        <p14:creationId xmlns:p14="http://schemas.microsoft.com/office/powerpoint/2010/main" val="1419281683"/>
       </p:ext>
     </p:extLst>
   </p:cSld>
@@ -6121,7 +6195,7 @@
           <p:cNvPr id="2" name="Title 1">
             <a:extLst>
               <a:ext uri="{FF2B5EF4-FFF2-40B4-BE49-F238E27FC236}">
-                <a16:creationId xmlns:a16="http://schemas.microsoft.com/office/drawing/2014/main" id="{5F1BAE77-A688-0392-3E74-C150B1F75969}"/>
+                <a16:creationId xmlns:a16="http://schemas.microsoft.com/office/drawing/2014/main" id="{84C2ABF4-E024-9A4C-6756-69FFE1F53A3E}"/>
               </a:ext>
             </a:extLst>
           </p:cNvPr>
@@ -6134,12 +6208,21 @@
         </p:nvSpPr>
         <p:spPr/>
         <p:txBody>
-          <a:bodyPr/>
-          <a:lstStyle/>
-          <a:p>
-            <a:r>
-              <a:rPr lang="en-US" dirty="0"/>
-              <a:t>An Example…</a:t>
+          <a:bodyPr>
+            <a:normAutofit fontScale="90000"/>
+          </a:bodyPr>
+          <a:lstStyle/>
+          <a:p>
+            <a:r>
+              <a:rPr lang="en-US" dirty="0"/>
+              <a:t>Benefits of LLMs in Business </a:t>
+            </a:r>
+            <a:br>
+              <a:rPr lang="en-US" dirty="0"/>
+            </a:br>
+            <a:r>
+              <a:rPr lang="en-US" dirty="0"/>
+              <a:t>(when you don’t own them)</a:t>
             </a:r>
           </a:p>
         </p:txBody>
@@ -6149,7 +6232,7 @@
           <p:cNvPr id="3" name="Content Placeholder 2">
             <a:extLst>
               <a:ext uri="{FF2B5EF4-FFF2-40B4-BE49-F238E27FC236}">
-                <a16:creationId xmlns:a16="http://schemas.microsoft.com/office/drawing/2014/main" id="{D6247905-F31F-835B-97B9-8ABB5A5DC90F}"/>
+                <a16:creationId xmlns:a16="http://schemas.microsoft.com/office/drawing/2014/main" id="{10E366F8-3A10-4CCF-B458-CDE542AD37C4}"/>
               </a:ext>
             </a:extLst>
           </p:cNvPr>
@@ -6167,64 +6250,52 @@
           <a:p>
             <a:r>
               <a:rPr lang="en-US" dirty="0"/>
-              <a:t>Parsing Processing Errors into Types</a:t>
-            </a:r>
-          </a:p>
-          <a:p>
-            <a:endParaRPr lang="en-US" dirty="0"/>
-          </a:p>
-          <a:p>
-            <a:r>
-              <a:rPr lang="en-US" dirty="0"/>
-              <a:t>In 2021, asked to “automate error handling”</a:t>
-            </a:r>
-          </a:p>
-          <a:p>
-            <a:endParaRPr lang="en-US" dirty="0"/>
-          </a:p>
-          <a:p>
-            <a:pPr lvl="1"/>
-            <a:r>
-              <a:rPr lang="en-US" dirty="0"/>
-              <a:t>Automation wasn’t possible</a:t>
-            </a:r>
-          </a:p>
-          <a:p>
-            <a:pPr lvl="1"/>
-            <a:endParaRPr lang="en-US" dirty="0"/>
-          </a:p>
-          <a:p>
-            <a:pPr lvl="1"/>
-            <a:r>
-              <a:rPr lang="en-US" dirty="0"/>
-              <a:t>Data reporting </a:t>
-            </a:r>
-            <a:r>
-              <a:rPr lang="en-US" i="1" dirty="0"/>
-              <a:t>also</a:t>
-            </a:r>
-            <a:r>
-              <a:rPr lang="en-US" dirty="0"/>
-              <a:t> wasn’t possible due to data format</a:t>
-            </a:r>
-          </a:p>
-          <a:p>
-            <a:pPr lvl="1"/>
-            <a:endParaRPr lang="en-US" dirty="0"/>
-          </a:p>
-          <a:p>
-            <a:pPr lvl="1"/>
-            <a:r>
-              <a:rPr lang="en-US" dirty="0"/>
-              <a:t>Somewhat human-readable sentences described the errors</a:t>
-            </a:r>
+              <a:t>ML models have been used for years for predictions</a:t>
+            </a:r>
+          </a:p>
+          <a:p>
+            <a:endParaRPr lang="en-US" dirty="0"/>
+          </a:p>
+          <a:p>
+            <a:r>
+              <a:rPr lang="en-US" dirty="0"/>
+              <a:t>But LLMs open up a new world…</a:t>
+            </a:r>
+          </a:p>
+          <a:p>
+            <a:endParaRPr lang="en-US" dirty="0"/>
+          </a:p>
+          <a:p>
+            <a:r>
+              <a:rPr lang="en-US" dirty="0"/>
+              <a:t>Until recently, usable data was limited to processed data</a:t>
+            </a:r>
+          </a:p>
+          <a:p>
+            <a:endParaRPr lang="en-US" dirty="0"/>
+          </a:p>
+          <a:p>
+            <a:r>
+              <a:rPr lang="en-US" dirty="0"/>
+              <a:t>Now we can parse human-readable data</a:t>
+            </a:r>
+          </a:p>
+          <a:p>
+            <a:pPr lvl="1"/>
+            <a:r>
+              <a:rPr lang="en-US" dirty="0"/>
+              <a:t>That’s a HUGE difference!</a:t>
+            </a:r>
+          </a:p>
+          <a:p>
+            <a:endParaRPr lang="en-US" dirty="0"/>
           </a:p>
         </p:txBody>
       </p:sp>
     </p:spTree>
     <p:extLst>
       <p:ext uri="{BB962C8B-B14F-4D97-AF65-F5344CB8AC3E}">
-        <p14:creationId xmlns:p14="http://schemas.microsoft.com/office/powerpoint/2010/main" val="3271278329"/>
+        <p14:creationId xmlns:p14="http://schemas.microsoft.com/office/powerpoint/2010/main" val="3846877764"/>
       </p:ext>
     </p:extLst>
   </p:cSld>
@@ -6256,7 +6327,7 @@
           <p:cNvPr id="2" name="Title 1">
             <a:extLst>
               <a:ext uri="{FF2B5EF4-FFF2-40B4-BE49-F238E27FC236}">
-                <a16:creationId xmlns:a16="http://schemas.microsoft.com/office/drawing/2014/main" id="{3B7D2F15-6411-EA4A-18CD-277BB4D10A39}"/>
+                <a16:creationId xmlns:a16="http://schemas.microsoft.com/office/drawing/2014/main" id="{5F1BAE77-A688-0392-3E74-C150B1F75969}"/>
               </a:ext>
             </a:extLst>
           </p:cNvPr>
@@ -6274,7 +6345,7 @@
           <a:p>
             <a:r>
               <a:rPr lang="en-US" dirty="0"/>
-              <a:t>Error Handling</a:t>
+              <a:t>An Example…</a:t>
             </a:r>
           </a:p>
         </p:txBody>
@@ -6284,7 +6355,7 @@
           <p:cNvPr id="3" name="Content Placeholder 2">
             <a:extLst>
               <a:ext uri="{FF2B5EF4-FFF2-40B4-BE49-F238E27FC236}">
-                <a16:creationId xmlns:a16="http://schemas.microsoft.com/office/drawing/2014/main" id="{1DED025A-670F-8ED3-1641-4BD54B47FAA2}"/>
+                <a16:creationId xmlns:a16="http://schemas.microsoft.com/office/drawing/2014/main" id="{D6247905-F31F-835B-97B9-8ABB5A5DC90F}"/>
               </a:ext>
             </a:extLst>
           </p:cNvPr>
@@ -6302,39 +6373,56 @@
           <a:p>
             <a:r>
               <a:rPr lang="en-US" dirty="0"/>
-              <a:t>Before we could even try to automate we needed:</a:t>
-            </a:r>
-          </a:p>
-          <a:p>
-            <a:pPr lvl="1"/>
-            <a:endParaRPr lang="en-US" dirty="0"/>
-          </a:p>
-          <a:p>
-            <a:pPr lvl="1"/>
-            <a:r>
-              <a:rPr lang="en-US" dirty="0"/>
-              <a:t>Type of error</a:t>
-            </a:r>
-          </a:p>
-          <a:p>
-            <a:pPr lvl="1"/>
-            <a:endParaRPr lang="en-US" dirty="0"/>
-          </a:p>
-          <a:p>
-            <a:pPr lvl="1"/>
-            <a:r>
-              <a:rPr lang="en-US" dirty="0"/>
-              <a:t>Information about when, what, how much, etc. </a:t>
-            </a:r>
-          </a:p>
-          <a:p>
-            <a:pPr lvl="1"/>
-            <a:endParaRPr lang="en-US" dirty="0"/>
-          </a:p>
-          <a:p>
-            <a:r>
-              <a:rPr lang="en-US" dirty="0"/>
-              <a:t>All of this was in the text string</a:t>
+              <a:t>Parsing Processing Errors into Types</a:t>
+            </a:r>
+          </a:p>
+          <a:p>
+            <a:endParaRPr lang="en-US" dirty="0"/>
+          </a:p>
+          <a:p>
+            <a:r>
+              <a:rPr lang="en-US" dirty="0"/>
+              <a:t>In 2021, asked to “automate error handling”</a:t>
+            </a:r>
+          </a:p>
+          <a:p>
+            <a:endParaRPr lang="en-US" dirty="0"/>
+          </a:p>
+          <a:p>
+            <a:pPr lvl="1"/>
+            <a:r>
+              <a:rPr lang="en-US" dirty="0"/>
+              <a:t>Automation wasn’t possible</a:t>
+            </a:r>
+          </a:p>
+          <a:p>
+            <a:pPr lvl="1"/>
+            <a:endParaRPr lang="en-US" dirty="0"/>
+          </a:p>
+          <a:p>
+            <a:pPr lvl="1"/>
+            <a:r>
+              <a:rPr lang="en-US" dirty="0"/>
+              <a:t>Data reporting </a:t>
+            </a:r>
+            <a:r>
+              <a:rPr lang="en-US" i="1" dirty="0"/>
+              <a:t>also</a:t>
+            </a:r>
+            <a:r>
+              <a:rPr lang="en-US" dirty="0"/>
+              <a:t> wasn’t possible due to data format</a:t>
+            </a:r>
+          </a:p>
+          <a:p>
+            <a:pPr lvl="1"/>
+            <a:endParaRPr lang="en-US" dirty="0"/>
+          </a:p>
+          <a:p>
+            <a:pPr lvl="1"/>
+            <a:r>
+              <a:rPr lang="en-US" dirty="0"/>
+              <a:t>Somewhat human-readable sentences described the errors</a:t>
             </a:r>
           </a:p>
         </p:txBody>
@@ -6342,7 +6430,7 @@
     </p:spTree>
     <p:extLst>
       <p:ext uri="{BB962C8B-B14F-4D97-AF65-F5344CB8AC3E}">
-        <p14:creationId xmlns:p14="http://schemas.microsoft.com/office/powerpoint/2010/main" val="1337985794"/>
+        <p14:creationId xmlns:p14="http://schemas.microsoft.com/office/powerpoint/2010/main" val="3271278329"/>
       </p:ext>
     </p:extLst>
   </p:cSld>
@@ -6374,7 +6462,7 @@
           <p:cNvPr id="2" name="Title 1">
             <a:extLst>
               <a:ext uri="{FF2B5EF4-FFF2-40B4-BE49-F238E27FC236}">
-                <a16:creationId xmlns:a16="http://schemas.microsoft.com/office/drawing/2014/main" id="{5EAB86DF-8892-6F27-F9E9-A0857889260C}"/>
+                <a16:creationId xmlns:a16="http://schemas.microsoft.com/office/drawing/2014/main" id="{3B7D2F15-6411-EA4A-18CD-277BB4D10A39}"/>
               </a:ext>
             </a:extLst>
           </p:cNvPr>
@@ -6392,7 +6480,7 @@
           <a:p>
             <a:r>
               <a:rPr lang="en-US" dirty="0"/>
-              <a:t>How did we fix it before LLMs?</a:t>
+              <a:t>Error Handling</a:t>
             </a:r>
           </a:p>
         </p:txBody>
@@ -6402,7 +6490,7 @@
           <p:cNvPr id="3" name="Content Placeholder 2">
             <a:extLst>
               <a:ext uri="{FF2B5EF4-FFF2-40B4-BE49-F238E27FC236}">
-                <a16:creationId xmlns:a16="http://schemas.microsoft.com/office/drawing/2014/main" id="{D95CC202-5131-C4B4-7018-245672F8E65E}"/>
+                <a16:creationId xmlns:a16="http://schemas.microsoft.com/office/drawing/2014/main" id="{1DED025A-670F-8ED3-1641-4BD54B47FAA2}"/>
               </a:ext>
             </a:extLst>
           </p:cNvPr>
@@ -6420,41 +6508,39 @@
           <a:p>
             <a:r>
               <a:rPr lang="en-US" dirty="0"/>
-              <a:t>Honestly, we got lucky!</a:t>
-            </a:r>
-          </a:p>
-          <a:p>
-            <a:endParaRPr lang="en-US" dirty="0"/>
-          </a:p>
-          <a:p>
-            <a:r>
-              <a:rPr lang="en-US" dirty="0"/>
-              <a:t>Strings were logged by a program, so the messages were consistent</a:t>
-            </a:r>
-          </a:p>
-          <a:p>
-            <a:endParaRPr lang="en-US" dirty="0"/>
-          </a:p>
-          <a:p>
-            <a:r>
-              <a:rPr lang="en-US" dirty="0"/>
-              <a:t>Allowed for regex matching and extracting of information</a:t>
-            </a:r>
-          </a:p>
-          <a:p>
-            <a:endParaRPr lang="en-US" dirty="0"/>
-          </a:p>
-          <a:p>
-            <a:r>
-              <a:rPr lang="en-US" dirty="0"/>
-              <a:t>Essentially played Whack-a-Mole until all items were covered</a:t>
-            </a:r>
-          </a:p>
-          <a:p>
-            <a:pPr lvl="1"/>
-            <a:r>
-              <a:rPr lang="en-US" dirty="0"/>
-              <a:t>For historical timespan</a:t>
+              <a:t>Before we could even try to automate we needed:</a:t>
+            </a:r>
+          </a:p>
+          <a:p>
+            <a:pPr lvl="1"/>
+            <a:endParaRPr lang="en-US" dirty="0"/>
+          </a:p>
+          <a:p>
+            <a:pPr lvl="1"/>
+            <a:r>
+              <a:rPr lang="en-US" dirty="0"/>
+              <a:t>Type of error</a:t>
+            </a:r>
+          </a:p>
+          <a:p>
+            <a:pPr lvl="1"/>
+            <a:endParaRPr lang="en-US" dirty="0"/>
+          </a:p>
+          <a:p>
+            <a:pPr lvl="1"/>
+            <a:r>
+              <a:rPr lang="en-US" dirty="0"/>
+              <a:t>Information about when, what, how much, etc. </a:t>
+            </a:r>
+          </a:p>
+          <a:p>
+            <a:pPr lvl="1"/>
+            <a:endParaRPr lang="en-US" dirty="0"/>
+          </a:p>
+          <a:p>
+            <a:r>
+              <a:rPr lang="en-US" dirty="0"/>
+              <a:t>All of this was in the text string</a:t>
             </a:r>
           </a:p>
         </p:txBody>
@@ -6462,7 +6548,7 @@
     </p:spTree>
     <p:extLst>
       <p:ext uri="{BB962C8B-B14F-4D97-AF65-F5344CB8AC3E}">
-        <p14:creationId xmlns:p14="http://schemas.microsoft.com/office/powerpoint/2010/main" val="711540042"/>
+        <p14:creationId xmlns:p14="http://schemas.microsoft.com/office/powerpoint/2010/main" val="1337985794"/>
       </p:ext>
     </p:extLst>
   </p:cSld>
@@ -6494,7 +6580,7 @@
           <p:cNvPr id="2" name="Title 1">
             <a:extLst>
               <a:ext uri="{FF2B5EF4-FFF2-40B4-BE49-F238E27FC236}">
-                <a16:creationId xmlns:a16="http://schemas.microsoft.com/office/drawing/2014/main" id="{BA4D97AA-C32C-466E-F402-F54A56CE17D9}"/>
+                <a16:creationId xmlns:a16="http://schemas.microsoft.com/office/drawing/2014/main" id="{5EAB86DF-8892-6F27-F9E9-A0857889260C}"/>
               </a:ext>
             </a:extLst>
           </p:cNvPr>
@@ -6512,7 +6598,7 @@
           <a:p>
             <a:r>
               <a:rPr lang="en-US" dirty="0"/>
-              <a:t>Now let’s take another example…</a:t>
+              <a:t>How did we fix it before LLMs?</a:t>
             </a:r>
           </a:p>
         </p:txBody>
@@ -6522,7 +6608,7 @@
           <p:cNvPr id="3" name="Content Placeholder 2">
             <a:extLst>
               <a:ext uri="{FF2B5EF4-FFF2-40B4-BE49-F238E27FC236}">
-                <a16:creationId xmlns:a16="http://schemas.microsoft.com/office/drawing/2014/main" id="{2538D363-879D-F27A-3015-5DCADE591C6C}"/>
+                <a16:creationId xmlns:a16="http://schemas.microsoft.com/office/drawing/2014/main" id="{D95CC202-5131-C4B4-7018-245672F8E65E}"/>
               </a:ext>
             </a:extLst>
           </p:cNvPr>
@@ -6540,34 +6626,41 @@
           <a:p>
             <a:r>
               <a:rPr lang="en-US" dirty="0"/>
-              <a:t>What was the result of some email communication?</a:t>
-            </a:r>
-          </a:p>
-          <a:p>
-            <a:endParaRPr lang="en-US" dirty="0"/>
-          </a:p>
-          <a:p>
-            <a:r>
-              <a:rPr lang="en-US" dirty="0"/>
-              <a:t>Situation: Customer periodically reaches out for a specific piece of information (an upcoming date) for a product order. </a:t>
-            </a:r>
-          </a:p>
-          <a:p>
-            <a:endParaRPr lang="en-US" dirty="0"/>
-          </a:p>
-          <a:p>
-            <a:r>
-              <a:rPr lang="en-US" dirty="0"/>
-              <a:t>Customer request and communication is logged in an internal ticket</a:t>
-            </a:r>
-          </a:p>
-          <a:p>
-            <a:endParaRPr lang="en-US" dirty="0"/>
-          </a:p>
-          <a:p>
-            <a:r>
-              <a:rPr lang="en-US" dirty="0"/>
-              <a:t>Communication is done via email, all natural language</a:t>
+              <a:t>Honestly, we got lucky!</a:t>
+            </a:r>
+          </a:p>
+          <a:p>
+            <a:endParaRPr lang="en-US" dirty="0"/>
+          </a:p>
+          <a:p>
+            <a:r>
+              <a:rPr lang="en-US" dirty="0"/>
+              <a:t>Strings were logged by a program, so the messages were consistent</a:t>
+            </a:r>
+          </a:p>
+          <a:p>
+            <a:endParaRPr lang="en-US" dirty="0"/>
+          </a:p>
+          <a:p>
+            <a:r>
+              <a:rPr lang="en-US" dirty="0"/>
+              <a:t>Allowed for regex matching and extracting of information</a:t>
+            </a:r>
+          </a:p>
+          <a:p>
+            <a:endParaRPr lang="en-US" dirty="0"/>
+          </a:p>
+          <a:p>
+            <a:r>
+              <a:rPr lang="en-US" dirty="0"/>
+              <a:t>Essentially played Whack-a-Mole until all items were covered</a:t>
+            </a:r>
+          </a:p>
+          <a:p>
+            <a:pPr lvl="1"/>
+            <a:r>
+              <a:rPr lang="en-US" dirty="0"/>
+              <a:t>For historical timespan</a:t>
             </a:r>
           </a:p>
         </p:txBody>
@@ -6575,7 +6668,7 @@
     </p:spTree>
     <p:extLst>
       <p:ext uri="{BB962C8B-B14F-4D97-AF65-F5344CB8AC3E}">
-        <p14:creationId xmlns:p14="http://schemas.microsoft.com/office/powerpoint/2010/main" val="1885706844"/>
+        <p14:creationId xmlns:p14="http://schemas.microsoft.com/office/powerpoint/2010/main" val="711540042"/>
       </p:ext>
     </p:extLst>
   </p:cSld>
